--- a/modules/module01/slides.pptx
+++ b/modules/module01/slides.pptx
@@ -229,7 +229,7 @@
           <a:p>
             <a:fld id="{0F9C1CCF-B725-44A7-AA57-5E433BD85C9F}" type="datetimeFigureOut">
               <a:rPr lang="en-US" smtClean="0"/>
-              <a:t>2/17/2018</a:t>
+              <a:t>4/5/2019</a:t>
             </a:fld>
             <a:endParaRPr lang="en-US"/>
           </a:p>
@@ -1334,7 +1334,7 @@
           <a:p>
             <a:fld id="{241EB5C9-1307-BA42-ABA2-0BC069CD8E7F}" type="datetimeFigureOut">
               <a:rPr lang="en-US" smtClean="0"/>
-              <a:t>2/17/2018</a:t>
+              <a:t>4/5/2019</a:t>
             </a:fld>
             <a:endParaRPr lang="en-US"/>
           </a:p>
@@ -1504,7 +1504,7 @@
           <a:p>
             <a:fld id="{241EB5C9-1307-BA42-ABA2-0BC069CD8E7F}" type="datetimeFigureOut">
               <a:rPr lang="en-US" smtClean="0"/>
-              <a:t>2/17/2018</a:t>
+              <a:t>4/5/2019</a:t>
             </a:fld>
             <a:endParaRPr lang="en-US"/>
           </a:p>
@@ -1684,7 +1684,7 @@
           <a:p>
             <a:fld id="{241EB5C9-1307-BA42-ABA2-0BC069CD8E7F}" type="datetimeFigureOut">
               <a:rPr lang="en-US" smtClean="0"/>
-              <a:t>2/17/2018</a:t>
+              <a:t>4/5/2019</a:t>
             </a:fld>
             <a:endParaRPr lang="en-US"/>
           </a:p>
@@ -1854,7 +1854,7 @@
           <a:p>
             <a:fld id="{241EB5C9-1307-BA42-ABA2-0BC069CD8E7F}" type="datetimeFigureOut">
               <a:rPr lang="en-US" smtClean="0"/>
-              <a:t>2/17/2018</a:t>
+              <a:t>4/5/2019</a:t>
             </a:fld>
             <a:endParaRPr lang="en-US"/>
           </a:p>
@@ -2100,7 +2100,7 @@
           <a:p>
             <a:fld id="{241EB5C9-1307-BA42-ABA2-0BC069CD8E7F}" type="datetimeFigureOut">
               <a:rPr lang="en-US" smtClean="0"/>
-              <a:t>2/17/2018</a:t>
+              <a:t>4/5/2019</a:t>
             </a:fld>
             <a:endParaRPr lang="en-US"/>
           </a:p>
@@ -2388,7 +2388,7 @@
           <a:p>
             <a:fld id="{241EB5C9-1307-BA42-ABA2-0BC069CD8E7F}" type="datetimeFigureOut">
               <a:rPr lang="en-US" smtClean="0"/>
-              <a:t>2/17/2018</a:t>
+              <a:t>4/5/2019</a:t>
             </a:fld>
             <a:endParaRPr lang="en-US"/>
           </a:p>
@@ -2810,7 +2810,7 @@
           <a:p>
             <a:fld id="{241EB5C9-1307-BA42-ABA2-0BC069CD8E7F}" type="datetimeFigureOut">
               <a:rPr lang="en-US" smtClean="0"/>
-              <a:t>2/17/2018</a:t>
+              <a:t>4/5/2019</a:t>
             </a:fld>
             <a:endParaRPr lang="en-US"/>
           </a:p>
@@ -2928,7 +2928,7 @@
           <a:p>
             <a:fld id="{241EB5C9-1307-BA42-ABA2-0BC069CD8E7F}" type="datetimeFigureOut">
               <a:rPr lang="en-US" smtClean="0"/>
-              <a:t>2/17/2018</a:t>
+              <a:t>4/5/2019</a:t>
             </a:fld>
             <a:endParaRPr lang="en-US"/>
           </a:p>
@@ -3023,7 +3023,7 @@
           <a:p>
             <a:fld id="{241EB5C9-1307-BA42-ABA2-0BC069CD8E7F}" type="datetimeFigureOut">
               <a:rPr lang="en-US" smtClean="0"/>
-              <a:t>2/17/2018</a:t>
+              <a:t>4/5/2019</a:t>
             </a:fld>
             <a:endParaRPr lang="en-US"/>
           </a:p>
@@ -3300,7 +3300,7 @@
           <a:p>
             <a:fld id="{241EB5C9-1307-BA42-ABA2-0BC069CD8E7F}" type="datetimeFigureOut">
               <a:rPr lang="en-US" smtClean="0"/>
-              <a:t>2/17/2018</a:t>
+              <a:t>4/5/2019</a:t>
             </a:fld>
             <a:endParaRPr lang="en-US"/>
           </a:p>
@@ -3553,7 +3553,7 @@
           <a:p>
             <a:fld id="{241EB5C9-1307-BA42-ABA2-0BC069CD8E7F}" type="datetimeFigureOut">
               <a:rPr lang="en-US" smtClean="0"/>
-              <a:t>2/17/2018</a:t>
+              <a:t>4/5/2019</a:t>
             </a:fld>
             <a:endParaRPr lang="en-US"/>
           </a:p>
@@ -3766,7 +3766,7 @@
           <a:p>
             <a:fld id="{241EB5C9-1307-BA42-ABA2-0BC069CD8E7F}" type="datetimeFigureOut">
               <a:rPr lang="en-US" smtClean="0"/>
-              <a:t>2/17/2018</a:t>
+              <a:t>4/5/2019</a:t>
             </a:fld>
             <a:endParaRPr lang="en-US"/>
           </a:p>
@@ -4264,17 +4264,17 @@
           <a:bodyPr/>
           <a:lstStyle/>
           <a:p>
-            <a:pPr lvl="0" marL="1270000" indent="0">
+            <a:pPr lvl="0" indent="0">
               <a:buNone/>
             </a:pPr>
             <a:r>
-              <a:rPr sz="1800">
+              <a:rPr>
                 <a:latin typeface="Courier"/>
               </a:rPr>
               <a:t>x </a:t>
             </a:r>
             <a:r>
-              <a:rPr sz="1800">
+              <a:rPr>
                 <a:solidFill>
                   <a:srgbClr val="666666"/>
                 </a:solidFill>
@@ -4283,13 +4283,13 @@
               <a:t>=</a:t>
             </a:r>
             <a:r>
-              <a:rPr sz="1800">
-                <a:latin typeface="Courier"/>
-              </a:rPr>
-              <a:t> </a:t>
-            </a:r>
-            <a:r>
-              <a:rPr sz="1800">
+              <a:rPr>
+                <a:latin typeface="Courier"/>
+              </a:rPr>
+              <a:t> </a:t>
+            </a:r>
+            <a:r>
+              <a:rPr>
                 <a:solidFill>
                   <a:srgbClr val="40A070"/>
                 </a:solidFill>
@@ -4297,21 +4297,15 @@
               </a:rPr>
               <a:t>2</a:t>
             </a:r>
-            <a:r>
-              <a:rPr sz="1800">
-                <a:latin typeface="Courier"/>
-              </a:rPr>
-              <a:t> </a:t>
-            </a:r>
             <a:br/>
             <a:r>
-              <a:rPr sz="1800">
+              <a:rPr>
                 <a:latin typeface="Courier"/>
               </a:rPr>
               <a:t>x </a:t>
             </a:r>
             <a:r>
-              <a:rPr sz="1800">
+              <a:rPr>
                 <a:solidFill>
                   <a:srgbClr val="666666"/>
                 </a:solidFill>
@@ -4320,7 +4314,7 @@
               <a:t>*</a:t>
             </a:r>
             <a:r>
-              <a:rPr sz="1800">
+              <a:rPr>
                 <a:latin typeface="Courier"/>
               </a:rPr>
               <a:t> x</a:t>
@@ -4374,17 +4368,17 @@
           <a:bodyPr/>
           <a:lstStyle/>
           <a:p>
-            <a:pPr lvl="0" marL="1270000" indent="0">
+            <a:pPr lvl="0" indent="0">
               <a:buNone/>
             </a:pPr>
             <a:r>
-              <a:rPr sz="1800">
+              <a:rPr>
                 <a:latin typeface="Courier"/>
               </a:rPr>
               <a:t>x </a:t>
             </a:r>
             <a:r>
-              <a:rPr sz="1800">
+              <a:rPr>
                 <a:solidFill>
                   <a:srgbClr val="666666"/>
                 </a:solidFill>
@@ -4393,13 +4387,13 @@
               <a:t>=</a:t>
             </a:r>
             <a:r>
-              <a:rPr sz="1800">
-                <a:latin typeface="Courier"/>
-              </a:rPr>
-              <a:t> </a:t>
-            </a:r>
-            <a:r>
-              <a:rPr sz="1800">
+              <a:rPr>
+                <a:latin typeface="Courier"/>
+              </a:rPr>
+              <a:t> </a:t>
+            </a:r>
+            <a:r>
+              <a:rPr>
                 <a:solidFill>
                   <a:srgbClr val="40A070"/>
                 </a:solidFill>
@@ -4409,13 +4403,13 @@
             </a:r>
             <a:br/>
             <a:r>
-              <a:rPr sz="1800">
+              <a:rPr>
                 <a:latin typeface="Courier"/>
               </a:rPr>
               <a:t>x </a:t>
             </a:r>
             <a:r>
-              <a:rPr sz="1800">
+              <a:rPr>
                 <a:solidFill>
                   <a:srgbClr val="666666"/>
                 </a:solidFill>
@@ -4424,13 +4418,13 @@
               <a:t>**</a:t>
             </a:r>
             <a:r>
-              <a:rPr sz="1800">
-                <a:latin typeface="Courier"/>
-              </a:rPr>
-              <a:t> </a:t>
-            </a:r>
-            <a:r>
-              <a:rPr sz="1800">
+              <a:rPr>
+                <a:latin typeface="Courier"/>
+              </a:rPr>
+              <a:t> </a:t>
+            </a:r>
+            <a:r>
+              <a:rPr>
                 <a:solidFill>
                   <a:srgbClr val="40A070"/>
                 </a:solidFill>
@@ -4487,17 +4481,17 @@
           <a:bodyPr/>
           <a:lstStyle/>
           <a:p>
-            <a:pPr lvl="0" marL="1270000" indent="0">
+            <a:pPr lvl="0" indent="0">
               <a:buNone/>
             </a:pPr>
             <a:r>
-              <a:rPr sz="1800">
+              <a:rPr>
                 <a:latin typeface="Courier"/>
               </a:rPr>
               <a:t>x </a:t>
             </a:r>
             <a:r>
-              <a:rPr sz="1800">
+              <a:rPr>
                 <a:solidFill>
                   <a:srgbClr val="666666"/>
                 </a:solidFill>
@@ -4506,13 +4500,13 @@
               <a:t>=</a:t>
             </a:r>
             <a:r>
-              <a:rPr sz="1800">
-                <a:latin typeface="Courier"/>
-              </a:rPr>
-              <a:t> </a:t>
-            </a:r>
-            <a:r>
-              <a:rPr sz="1800">
+              <a:rPr>
+                <a:latin typeface="Courier"/>
+              </a:rPr>
+              <a:t> </a:t>
+            </a:r>
+            <a:r>
+              <a:rPr>
                 <a:solidFill>
                   <a:srgbClr val="40A070"/>
                 </a:solidFill>
@@ -4520,21 +4514,15 @@
               </a:rPr>
               <a:t>2</a:t>
             </a:r>
-            <a:r>
-              <a:rPr sz="1800">
-                <a:latin typeface="Courier"/>
-              </a:rPr>
-              <a:t> </a:t>
-            </a:r>
             <a:br/>
             <a:r>
-              <a:rPr sz="1800">
+              <a:rPr>
                 <a:latin typeface="Courier"/>
               </a:rPr>
               <a:t>y </a:t>
             </a:r>
             <a:r>
-              <a:rPr sz="1800">
+              <a:rPr>
                 <a:solidFill>
                   <a:srgbClr val="666666"/>
                 </a:solidFill>
@@ -4543,13 +4531,13 @@
               <a:t>=</a:t>
             </a:r>
             <a:r>
-              <a:rPr sz="1800">
-                <a:latin typeface="Courier"/>
-              </a:rPr>
-              <a:t> </a:t>
-            </a:r>
-            <a:r>
-              <a:rPr sz="1800">
+              <a:rPr>
+                <a:latin typeface="Courier"/>
+              </a:rPr>
+              <a:t> </a:t>
+            </a:r>
+            <a:r>
+              <a:rPr>
                 <a:solidFill>
                   <a:srgbClr val="40A070"/>
                 </a:solidFill>
@@ -4559,13 +4547,13 @@
             </a:r>
             <a:br/>
             <a:r>
-              <a:rPr sz="1800">
+              <a:rPr>
                 <a:latin typeface="Courier"/>
               </a:rPr>
               <a:t>x </a:t>
             </a:r>
             <a:r>
-              <a:rPr sz="1800">
+              <a:rPr>
                 <a:solidFill>
                   <a:srgbClr val="666666"/>
                 </a:solidFill>
@@ -4574,7 +4562,7 @@
               <a:t>==</a:t>
             </a:r>
             <a:r>
-              <a:rPr sz="1800">
+              <a:rPr>
                 <a:latin typeface="Courier"/>
               </a:rPr>
               <a:t> y</a:t>
@@ -4628,17 +4616,17 @@
           <a:bodyPr/>
           <a:lstStyle/>
           <a:p>
-            <a:pPr lvl="0" marL="1270000" indent="0">
+            <a:pPr lvl="0" indent="0">
               <a:buNone/>
             </a:pPr>
             <a:r>
-              <a:rPr sz="1800">
+              <a:rPr>
                 <a:latin typeface="Courier"/>
               </a:rPr>
               <a:t>x </a:t>
             </a:r>
             <a:r>
-              <a:rPr sz="1800">
+              <a:rPr>
                 <a:solidFill>
                   <a:srgbClr val="666666"/>
                 </a:solidFill>
@@ -4647,13 +4635,13 @@
               <a:t>=</a:t>
             </a:r>
             <a:r>
-              <a:rPr sz="1800">
-                <a:latin typeface="Courier"/>
-              </a:rPr>
-              <a:t> </a:t>
-            </a:r>
-            <a:r>
-              <a:rPr sz="1800">
+              <a:rPr>
+                <a:latin typeface="Courier"/>
+              </a:rPr>
+              <a:t> </a:t>
+            </a:r>
+            <a:r>
+              <a:rPr>
                 <a:solidFill>
                   <a:srgbClr val="40A070"/>
                 </a:solidFill>
@@ -4663,13 +4651,13 @@
             </a:r>
             <a:br/>
             <a:r>
-              <a:rPr sz="1800">
+              <a:rPr>
                 <a:latin typeface="Courier"/>
               </a:rPr>
               <a:t>y </a:t>
             </a:r>
             <a:r>
-              <a:rPr sz="1800">
+              <a:rPr>
                 <a:solidFill>
                   <a:srgbClr val="666666"/>
                 </a:solidFill>
@@ -4678,13 +4666,13 @@
               <a:t>=</a:t>
             </a:r>
             <a:r>
-              <a:rPr sz="1800">
-                <a:latin typeface="Courier"/>
-              </a:rPr>
-              <a:t> </a:t>
-            </a:r>
-            <a:r>
-              <a:rPr sz="1800">
+              <a:rPr>
+                <a:latin typeface="Courier"/>
+              </a:rPr>
+              <a:t> </a:t>
+            </a:r>
+            <a:r>
+              <a:rPr>
                 <a:solidFill>
                   <a:srgbClr val="40A070"/>
                 </a:solidFill>
@@ -4694,13 +4682,13 @@
             </a:r>
             <a:br/>
             <a:r>
-              <a:rPr sz="1800">
+              <a:rPr>
                 <a:latin typeface="Courier"/>
               </a:rPr>
               <a:t>x </a:t>
             </a:r>
             <a:r>
-              <a:rPr sz="1800">
+              <a:rPr>
                 <a:solidFill>
                   <a:srgbClr val="666666"/>
                 </a:solidFill>
@@ -4709,7 +4697,7 @@
               <a:t>-</a:t>
             </a:r>
             <a:r>
-              <a:rPr sz="1800">
+              <a:rPr>
                 <a:latin typeface="Courier"/>
               </a:rPr>
               <a:t> y</a:t>
@@ -4763,17 +4751,17 @@
           <a:bodyPr/>
           <a:lstStyle/>
           <a:p>
-            <a:pPr lvl="0" marL="1270000" indent="0">
+            <a:pPr lvl="0" indent="0">
               <a:buNone/>
             </a:pPr>
             <a:r>
-              <a:rPr sz="1800">
+              <a:rPr>
                 <a:latin typeface="Courier"/>
               </a:rPr>
               <a:t>x </a:t>
             </a:r>
             <a:r>
-              <a:rPr sz="1800">
+              <a:rPr>
                 <a:solidFill>
                   <a:srgbClr val="666666"/>
                 </a:solidFill>
@@ -4782,13 +4770,13 @@
               <a:t>=</a:t>
             </a:r>
             <a:r>
-              <a:rPr sz="1800">
-                <a:latin typeface="Courier"/>
-              </a:rPr>
-              <a:t> </a:t>
-            </a:r>
-            <a:r>
-              <a:rPr sz="1800">
+              <a:rPr>
+                <a:latin typeface="Courier"/>
+              </a:rPr>
+              <a:t> </a:t>
+            </a:r>
+            <a:r>
+              <a:rPr>
                 <a:solidFill>
                   <a:srgbClr val="40A070"/>
                 </a:solidFill>
@@ -4798,13 +4786,13 @@
             </a:r>
             <a:br/>
             <a:r>
-              <a:rPr sz="1800">
+              <a:rPr>
                 <a:latin typeface="Courier"/>
               </a:rPr>
               <a:t>y </a:t>
             </a:r>
             <a:r>
-              <a:rPr sz="1800">
+              <a:rPr>
                 <a:solidFill>
                   <a:srgbClr val="666666"/>
                 </a:solidFill>
@@ -4813,13 +4801,13 @@
               <a:t>=</a:t>
             </a:r>
             <a:r>
-              <a:rPr sz="1800">
-                <a:latin typeface="Courier"/>
-              </a:rPr>
-              <a:t> </a:t>
-            </a:r>
-            <a:r>
-              <a:rPr sz="1800">
+              <a:rPr>
+                <a:latin typeface="Courier"/>
+              </a:rPr>
+              <a:t> </a:t>
+            </a:r>
+            <a:r>
+              <a:rPr>
                 <a:solidFill>
                   <a:srgbClr val="40A070"/>
                 </a:solidFill>
@@ -4829,13 +4817,13 @@
             </a:r>
             <a:br/>
             <a:r>
-              <a:rPr sz="1800">
+              <a:rPr>
                 <a:latin typeface="Courier"/>
               </a:rPr>
               <a:t>y </a:t>
             </a:r>
             <a:r>
-              <a:rPr sz="1800">
+              <a:rPr>
                 <a:solidFill>
                   <a:srgbClr val="666666"/>
                 </a:solidFill>
@@ -4844,13 +4832,13 @@
               <a:t>-</a:t>
             </a:r>
             <a:r>
-              <a:rPr sz="1800">
+              <a:rPr>
                 <a:latin typeface="Courier"/>
               </a:rPr>
               <a:t> x </a:t>
             </a:r>
             <a:r>
-              <a:rPr sz="1800">
+              <a:rPr>
                 <a:solidFill>
                   <a:srgbClr val="666666"/>
                 </a:solidFill>
@@ -4859,13 +4847,13 @@
               <a:t>+</a:t>
             </a:r>
             <a:r>
-              <a:rPr sz="1800">
-                <a:latin typeface="Courier"/>
-              </a:rPr>
-              <a:t> </a:t>
-            </a:r>
-            <a:r>
-              <a:rPr sz="1800">
+              <a:rPr>
+                <a:latin typeface="Courier"/>
+              </a:rPr>
+              <a:t> </a:t>
+            </a:r>
+            <a:r>
+              <a:rPr>
                 <a:solidFill>
                   <a:srgbClr val="40A070"/>
                 </a:solidFill>
@@ -4922,17 +4910,17 @@
           <a:bodyPr/>
           <a:lstStyle/>
           <a:p>
-            <a:pPr lvl="0" marL="1270000" indent="0">
+            <a:pPr lvl="0" indent="0">
               <a:buNone/>
             </a:pPr>
             <a:r>
-              <a:rPr sz="1800">
+              <a:rPr>
                 <a:latin typeface="Courier"/>
               </a:rPr>
               <a:t>x </a:t>
             </a:r>
             <a:r>
-              <a:rPr sz="1800">
+              <a:rPr>
                 <a:solidFill>
                   <a:srgbClr val="666666"/>
                 </a:solidFill>
@@ -4941,13 +4929,13 @@
               <a:t>=</a:t>
             </a:r>
             <a:r>
-              <a:rPr sz="1800">
-                <a:latin typeface="Courier"/>
-              </a:rPr>
-              <a:t> </a:t>
-            </a:r>
-            <a:r>
-              <a:rPr sz="1800">
+              <a:rPr>
+                <a:latin typeface="Courier"/>
+              </a:rPr>
+              <a:t> </a:t>
+            </a:r>
+            <a:r>
+              <a:rPr>
                 <a:solidFill>
                   <a:srgbClr val="40A070"/>
                 </a:solidFill>
@@ -4957,7 +4945,7 @@
             </a:r>
             <a:br/>
             <a:r>
-              <a:rPr sz="1800">
+              <a:rPr>
                 <a:solidFill>
                   <a:srgbClr val="40A070"/>
                 </a:solidFill>
@@ -4966,13 +4954,13 @@
               <a:t>2</a:t>
             </a:r>
             <a:r>
-              <a:rPr sz="1800">
-                <a:latin typeface="Courier"/>
-              </a:rPr>
-              <a:t> </a:t>
-            </a:r>
-            <a:r>
-              <a:rPr sz="1800">
+              <a:rPr>
+                <a:latin typeface="Courier"/>
+              </a:rPr>
+              <a:t> </a:t>
+            </a:r>
+            <a:r>
+              <a:rPr>
                 <a:solidFill>
                   <a:srgbClr val="666666"/>
                 </a:solidFill>
@@ -4981,13 +4969,13 @@
               <a:t>+</a:t>
             </a:r>
             <a:r>
-              <a:rPr sz="1800">
+              <a:rPr>
                 <a:latin typeface="Courier"/>
               </a:rPr>
               <a:t> x </a:t>
             </a:r>
             <a:r>
-              <a:rPr sz="1800">
+              <a:rPr>
                 <a:solidFill>
                   <a:srgbClr val="666666"/>
                 </a:solidFill>
@@ -4996,13 +4984,13 @@
               <a:t>**</a:t>
             </a:r>
             <a:r>
-              <a:rPr sz="1800">
-                <a:latin typeface="Courier"/>
-              </a:rPr>
-              <a:t> </a:t>
-            </a:r>
-            <a:r>
-              <a:rPr sz="1800">
+              <a:rPr>
+                <a:latin typeface="Courier"/>
+              </a:rPr>
+              <a:t> </a:t>
+            </a:r>
+            <a:r>
+              <a:rPr>
                 <a:solidFill>
                   <a:srgbClr val="40A070"/>
                 </a:solidFill>
@@ -5076,11 +5064,11 @@
             </a:r>
           </a:p>
           <a:p>
-            <a:pPr lvl="0" marL="1270000" indent="0">
+            <a:pPr lvl="0" indent="0">
               <a:buNone/>
             </a:pPr>
             <a:r>
-              <a:rPr sz="1800" i="1">
+              <a:rPr i="1">
                 <a:solidFill>
                   <a:srgbClr val="60A0B0"/>
                 </a:solidFill>
@@ -5089,13 +5077,13 @@
               <a:t>"u"</a:t>
             </a:r>
             <a:r>
-              <a:rPr sz="1800">
-                <a:latin typeface="Courier"/>
-              </a:rPr>
-              <a:t> </a:t>
-            </a:r>
-            <a:r>
-              <a:rPr sz="1800">
+              <a:rPr>
+                <a:latin typeface="Courier"/>
+              </a:rPr>
+              <a:t> </a:t>
+            </a:r>
+            <a:r>
+              <a:rPr>
                 <a:solidFill>
                   <a:srgbClr val="666666"/>
                 </a:solidFill>
@@ -5104,13 +5092,13 @@
               <a:t>+</a:t>
             </a:r>
             <a:r>
-              <a:rPr sz="1800">
-                <a:latin typeface="Courier"/>
-              </a:rPr>
-              <a:t> </a:t>
-            </a:r>
-            <a:r>
-              <a:rPr sz="1800">
+              <a:rPr>
+                <a:latin typeface="Courier"/>
+              </a:rPr>
+              <a:t> </a:t>
+            </a:r>
+            <a:r>
+              <a:rPr>
                 <a:solidFill>
                   <a:srgbClr val="4070A0"/>
                 </a:solidFill>
@@ -5119,13 +5107,13 @@
               <a:t>"m"</a:t>
             </a:r>
             <a:r>
-              <a:rPr sz="1800">
-                <a:latin typeface="Courier"/>
-              </a:rPr>
-              <a:t> </a:t>
-            </a:r>
-            <a:r>
-              <a:rPr sz="1800">
+              <a:rPr>
+                <a:latin typeface="Courier"/>
+              </a:rPr>
+              <a:t> </a:t>
+            </a:r>
+            <a:r>
+              <a:rPr>
                 <a:solidFill>
                   <a:srgbClr val="666666"/>
                 </a:solidFill>
@@ -5134,13 +5122,13 @@
               <a:t>+</a:t>
             </a:r>
             <a:r>
-              <a:rPr sz="1800">
-                <a:latin typeface="Courier"/>
-              </a:rPr>
-              <a:t> </a:t>
-            </a:r>
-            <a:r>
-              <a:rPr sz="1800">
+              <a:rPr>
+                <a:latin typeface="Courier"/>
+              </a:rPr>
+              <a:t> </a:t>
+            </a:r>
+            <a:r>
+              <a:rPr>
                 <a:solidFill>
                   <a:srgbClr val="4070A0"/>
                 </a:solidFill>
@@ -5159,11 +5147,11 @@
             </a:r>
           </a:p>
           <a:p>
-            <a:pPr lvl="0" marL="1270000" indent="0">
+            <a:pPr lvl="0" indent="0">
               <a:buNone/>
             </a:pPr>
             <a:r>
-              <a:rPr sz="1800" i="1">
+              <a:rPr i="1">
                 <a:solidFill>
                   <a:srgbClr val="60A0B0"/>
                 </a:solidFill>
@@ -5172,13 +5160,13 @@
               <a:t>"umd "</a:t>
             </a:r>
             <a:r>
-              <a:rPr sz="1800">
-                <a:latin typeface="Courier"/>
-              </a:rPr>
-              <a:t> </a:t>
-            </a:r>
-            <a:r>
-              <a:rPr sz="1800">
+              <a:rPr>
+                <a:latin typeface="Courier"/>
+              </a:rPr>
+              <a:t> </a:t>
+            </a:r>
+            <a:r>
+              <a:rPr>
                 <a:solidFill>
                   <a:srgbClr val="666666"/>
                 </a:solidFill>
@@ -5187,13 +5175,13 @@
               <a:t>*</a:t>
             </a:r>
             <a:r>
-              <a:rPr sz="1800">
-                <a:latin typeface="Courier"/>
-              </a:rPr>
-              <a:t> </a:t>
-            </a:r>
-            <a:r>
-              <a:rPr sz="1800">
+              <a:rPr>
+                <a:latin typeface="Courier"/>
+              </a:rPr>
+              <a:t> </a:t>
+            </a:r>
+            <a:r>
+              <a:rPr>
                 <a:solidFill>
                   <a:srgbClr val="40A070"/>
                 </a:solidFill>
@@ -5352,17 +5340,17 @@
             </a:r>
           </a:p>
           <a:p>
-            <a:pPr lvl="0" marL="1270000" indent="0">
+            <a:pPr lvl="0" indent="0">
               <a:buNone/>
             </a:pPr>
             <a:r>
-              <a:rPr sz="1800">
+              <a:rPr>
                 <a:latin typeface="Courier"/>
               </a:rPr>
               <a:t>username </a:t>
             </a:r>
             <a:r>
-              <a:rPr sz="1800">
+              <a:rPr>
                 <a:solidFill>
                   <a:srgbClr val="666666"/>
                 </a:solidFill>
@@ -5371,13 +5359,13 @@
               <a:t>=</a:t>
             </a:r>
             <a:r>
-              <a:rPr sz="1800">
+              <a:rPr>
                 <a:latin typeface="Courier"/>
               </a:rPr>
               <a:t> input(</a:t>
             </a:r>
             <a:r>
-              <a:rPr sz="1800">
+              <a:rPr>
                 <a:solidFill>
                   <a:srgbClr val="4070A0"/>
                 </a:solidFill>
@@ -5386,20 +5374,20 @@
               <a:t>"Enter your name: "</a:t>
             </a:r>
             <a:r>
-              <a:rPr sz="1800">
+              <a:rPr>
                 <a:latin typeface="Courier"/>
               </a:rPr>
               <a:t>)</a:t>
             </a:r>
             <a:br/>
             <a:r>
-              <a:rPr sz="1800">
+              <a:rPr>
                 <a:latin typeface="Courier"/>
               </a:rPr>
               <a:t>print(</a:t>
             </a:r>
             <a:r>
-              <a:rPr sz="1800">
+              <a:rPr>
                 <a:solidFill>
                   <a:srgbClr val="4070A0"/>
                 </a:solidFill>
@@ -5408,7 +5396,7 @@
               <a:t>"Hello"</a:t>
             </a:r>
             <a:r>
-              <a:rPr sz="1800">
+              <a:rPr>
                 <a:latin typeface="Courier"/>
               </a:rPr>
               <a:t>, username)</a:t>
@@ -5762,11 +5750,11 @@
           <a:bodyPr/>
           <a:lstStyle/>
           <a:p>
-            <a:pPr lvl="0" marL="1270000" indent="0">
+            <a:pPr lvl="0" indent="0">
               <a:buNone/>
             </a:pPr>
             <a:r>
-              <a:rPr sz="1800" b="1">
+              <a:rPr b="1">
                 <a:solidFill>
                   <a:srgbClr val="007020"/>
                 </a:solidFill>
@@ -5775,13 +5763,13 @@
               <a:t>if</a:t>
             </a:r>
             <a:r>
-              <a:rPr sz="1800">
-                <a:latin typeface="Courier"/>
-              </a:rPr>
-              <a:t> </a:t>
-            </a:r>
-            <a:r>
-              <a:rPr sz="1800">
+              <a:rPr>
+                <a:latin typeface="Courier"/>
+              </a:rPr>
+              <a:t> </a:t>
+            </a:r>
+            <a:r>
+              <a:rPr>
                 <a:solidFill>
                   <a:srgbClr val="40A070"/>
                 </a:solidFill>
@@ -5790,13 +5778,13 @@
               <a:t>1</a:t>
             </a:r>
             <a:r>
-              <a:rPr sz="1800">
-                <a:latin typeface="Courier"/>
-              </a:rPr>
-              <a:t> </a:t>
-            </a:r>
-            <a:r>
-              <a:rPr sz="1800">
+              <a:rPr>
+                <a:latin typeface="Courier"/>
+              </a:rPr>
+              <a:t> </a:t>
+            </a:r>
+            <a:r>
+              <a:rPr>
                 <a:solidFill>
                   <a:srgbClr val="666666"/>
                 </a:solidFill>
@@ -5805,13 +5793,13 @@
               <a:t>&gt;</a:t>
             </a:r>
             <a:r>
-              <a:rPr sz="1800">
-                <a:latin typeface="Courier"/>
-              </a:rPr>
-              <a:t> </a:t>
-            </a:r>
-            <a:r>
-              <a:rPr sz="1800">
+              <a:rPr>
+                <a:latin typeface="Courier"/>
+              </a:rPr>
+              <a:t> </a:t>
+            </a:r>
+            <a:r>
+              <a:rPr>
                 <a:solidFill>
                   <a:srgbClr val="40A070"/>
                 </a:solidFill>
@@ -5820,20 +5808,20 @@
               <a:t>0</a:t>
             </a:r>
             <a:r>
-              <a:rPr sz="1800">
+              <a:rPr>
                 <a:latin typeface="Courier"/>
               </a:rPr>
               <a:t>:</a:t>
             </a:r>
             <a:br/>
             <a:r>
-              <a:rPr sz="1800">
+              <a:rPr>
                 <a:latin typeface="Courier"/>
               </a:rPr>
               <a:t>    print(</a:t>
             </a:r>
             <a:r>
-              <a:rPr sz="1800">
+              <a:rPr>
                 <a:solidFill>
                   <a:srgbClr val="4070A0"/>
                 </a:solidFill>
@@ -5842,14 +5830,14 @@
               <a:t>"yes"</a:t>
             </a:r>
             <a:r>
-              <a:rPr sz="1800">
+              <a:rPr>
                 <a:latin typeface="Courier"/>
               </a:rPr>
               <a:t>)</a:t>
             </a:r>
             <a:br/>
             <a:r>
-              <a:rPr sz="1800" b="1">
+              <a:rPr b="1">
                 <a:solidFill>
                   <a:srgbClr val="007020"/>
                 </a:solidFill>
@@ -5858,20 +5846,20 @@
               <a:t>else</a:t>
             </a:r>
             <a:r>
-              <a:rPr sz="1800">
+              <a:rPr>
                 <a:latin typeface="Courier"/>
               </a:rPr>
               <a:t>:</a:t>
             </a:r>
             <a:br/>
             <a:r>
-              <a:rPr sz="1800">
+              <a:rPr>
                 <a:latin typeface="Courier"/>
               </a:rPr>
               <a:t>    print(</a:t>
             </a:r>
             <a:r>
-              <a:rPr sz="1800">
+              <a:rPr>
                 <a:solidFill>
                   <a:srgbClr val="4070A0"/>
                 </a:solidFill>
@@ -5880,7 +5868,7 @@
               <a:t>"no"</a:t>
             </a:r>
             <a:r>
-              <a:rPr sz="1800">
+              <a:rPr>
                 <a:latin typeface="Courier"/>
               </a:rPr>
               <a:t>)</a:t>
@@ -5975,17 +5963,17 @@
           <a:bodyPr/>
           <a:lstStyle/>
           <a:p>
-            <a:pPr lvl="0" marL="1270000" indent="0">
+            <a:pPr lvl="0" indent="0">
               <a:buNone/>
             </a:pPr>
             <a:r>
-              <a:rPr sz="1800">
+              <a:rPr>
                 <a:latin typeface="Courier"/>
               </a:rPr>
               <a:t>order </a:t>
             </a:r>
             <a:r>
-              <a:rPr sz="1800">
+              <a:rPr>
                 <a:solidFill>
                   <a:srgbClr val="666666"/>
                 </a:solidFill>
@@ -5994,13 +5982,13 @@
               <a:t>=</a:t>
             </a:r>
             <a:r>
-              <a:rPr sz="1800">
+              <a:rPr>
                 <a:latin typeface="Courier"/>
               </a:rPr>
               <a:t> input(</a:t>
             </a:r>
             <a:r>
-              <a:rPr sz="1800">
+              <a:rPr>
                 <a:solidFill>
                   <a:srgbClr val="4070A0"/>
                 </a:solidFill>
@@ -6009,7 +5997,7 @@
               <a:t>"What can I get you? "</a:t>
             </a:r>
             <a:r>
-              <a:rPr sz="1800">
+              <a:rPr>
                 <a:latin typeface="Courier"/>
               </a:rPr>
               <a:t>)</a:t>
@@ -6017,7 +6005,7 @@
             <a:br/>
             <a:br/>
             <a:r>
-              <a:rPr sz="1800" b="1">
+              <a:rPr b="1">
                 <a:solidFill>
                   <a:srgbClr val="007020"/>
                 </a:solidFill>
@@ -6026,13 +6014,13 @@
               <a:t>if</a:t>
             </a:r>
             <a:r>
-              <a:rPr sz="1800">
+              <a:rPr>
                 <a:latin typeface="Courier"/>
               </a:rPr>
               <a:t> order </a:t>
             </a:r>
             <a:r>
-              <a:rPr sz="1800">
+              <a:rPr>
                 <a:solidFill>
                   <a:srgbClr val="666666"/>
                 </a:solidFill>
@@ -6041,13 +6029,13 @@
               <a:t>==</a:t>
             </a:r>
             <a:r>
-              <a:rPr sz="1800">
-                <a:latin typeface="Courier"/>
-              </a:rPr>
-              <a:t> </a:t>
-            </a:r>
-            <a:r>
-              <a:rPr sz="1800">
+              <a:rPr>
+                <a:latin typeface="Courier"/>
+              </a:rPr>
+              <a:t> </a:t>
+            </a:r>
+            <a:r>
+              <a:rPr>
                 <a:solidFill>
                   <a:srgbClr val="4070A0"/>
                 </a:solidFill>
@@ -6056,20 +6044,20 @@
               <a:t>"burger"</a:t>
             </a:r>
             <a:r>
-              <a:rPr sz="1800">
+              <a:rPr>
                 <a:latin typeface="Courier"/>
               </a:rPr>
               <a:t>:</a:t>
             </a:r>
             <a:br/>
             <a:r>
-              <a:rPr sz="1800">
+              <a:rPr>
                 <a:latin typeface="Courier"/>
               </a:rPr>
               <a:t>    side </a:t>
             </a:r>
             <a:r>
-              <a:rPr sz="1800">
+              <a:rPr>
                 <a:solidFill>
                   <a:srgbClr val="666666"/>
                 </a:solidFill>
@@ -6078,13 +6066,13 @@
               <a:t>=</a:t>
             </a:r>
             <a:r>
-              <a:rPr sz="1800">
+              <a:rPr>
                 <a:latin typeface="Courier"/>
               </a:rPr>
               <a:t> input(</a:t>
             </a:r>
             <a:r>
-              <a:rPr sz="1800">
+              <a:rPr>
                 <a:solidFill>
                   <a:srgbClr val="4070A0"/>
                 </a:solidFill>
@@ -6093,14 +6081,14 @@
               <a:t>"Would you like fries? "</a:t>
             </a:r>
             <a:r>
-              <a:rPr sz="1800">
+              <a:rPr>
                 <a:latin typeface="Courier"/>
               </a:rPr>
               <a:t>)</a:t>
             </a:r>
             <a:br/>
             <a:r>
-              <a:rPr sz="1800" b="1">
+              <a:rPr b="1">
                 <a:solidFill>
                   <a:srgbClr val="007020"/>
                 </a:solidFill>
@@ -6109,13 +6097,13 @@
               <a:t>elif</a:t>
             </a:r>
             <a:r>
-              <a:rPr sz="1800">
+              <a:rPr>
                 <a:latin typeface="Courier"/>
               </a:rPr>
               <a:t> order </a:t>
             </a:r>
             <a:r>
-              <a:rPr sz="1800">
+              <a:rPr>
                 <a:solidFill>
                   <a:srgbClr val="666666"/>
                 </a:solidFill>
@@ -6124,13 +6112,13 @@
               <a:t>==</a:t>
             </a:r>
             <a:r>
-              <a:rPr sz="1800">
-                <a:latin typeface="Courier"/>
-              </a:rPr>
-              <a:t> </a:t>
-            </a:r>
-            <a:r>
-              <a:rPr sz="1800">
+              <a:rPr>
+                <a:latin typeface="Courier"/>
+              </a:rPr>
+              <a:t> </a:t>
+            </a:r>
+            <a:r>
+              <a:rPr>
                 <a:solidFill>
                   <a:srgbClr val="4070A0"/>
                 </a:solidFill>
@@ -6140,7 +6128,7 @@
             </a:r>
             <a:br/>
             <a:r>
-              <a:rPr sz="1800">
+              <a:rPr>
                 <a:solidFill>
                   <a:srgbClr val="4070A0"/>
                 </a:solidFill>
@@ -6149,13 +6137,13 @@
               <a:t>    side = input("</a:t>
             </a:r>
             <a:r>
-              <a:rPr sz="1800">
+              <a:rPr>
                 <a:latin typeface="Courier"/>
               </a:rPr>
               <a:t>What kind of dressing? </a:t>
             </a:r>
             <a:r>
-              <a:rPr sz="1800">
+              <a:rPr>
                 <a:solidFill>
                   <a:srgbClr val="4070A0"/>
                 </a:solidFill>
@@ -6165,7 +6153,7 @@
             </a:r>
             <a:br/>
             <a:r>
-              <a:rPr sz="1800">
+              <a:rPr>
                 <a:solidFill>
                   <a:srgbClr val="4070A0"/>
                 </a:solidFill>
@@ -6175,7 +6163,7 @@
             </a:r>
             <a:br/>
             <a:r>
-              <a:rPr sz="1800">
+              <a:rPr>
                 <a:solidFill>
                   <a:srgbClr val="4070A0"/>
                 </a:solidFill>
@@ -6184,13 +6172,13 @@
               <a:t>    print("</a:t>
             </a:r>
             <a:r>
-              <a:rPr sz="1800">
+              <a:rPr>
                 <a:latin typeface="Courier"/>
               </a:rPr>
               <a:t>We only sell burgers </a:t>
             </a:r>
             <a:r>
-              <a:rPr sz="1800" b="1">
+              <a:rPr b="1">
                 <a:solidFill>
                   <a:srgbClr val="007020"/>
                 </a:solidFill>
@@ -6199,13 +6187,13 @@
               <a:t>and</a:t>
             </a:r>
             <a:r>
-              <a:rPr sz="1800">
+              <a:rPr>
                 <a:latin typeface="Courier"/>
               </a:rPr>
               <a:t> salads.</a:t>
             </a:r>
             <a:r>
-              <a:rPr sz="1800">
+              <a:rPr>
                 <a:solidFill>
                   <a:srgbClr val="4070A0"/>
                 </a:solidFill>
@@ -6216,7 +6204,7 @@
             <a:br/>
             <a:br/>
             <a:r>
-              <a:rPr sz="1800">
+              <a:rPr>
                 <a:solidFill>
                   <a:srgbClr val="4070A0"/>
                 </a:solidFill>
@@ -6225,13 +6213,13 @@
               <a:t>print("</a:t>
             </a:r>
             <a:r>
-              <a:rPr sz="1800">
+              <a:rPr>
                 <a:latin typeface="Courier"/>
               </a:rPr>
               <a:t>You ordered:</a:t>
             </a:r>
             <a:r>
-              <a:rPr sz="1800">
+              <a:rPr>
                 <a:solidFill>
                   <a:srgbClr val="4070A0"/>
                 </a:solidFill>
@@ -6571,12 +6559,12 @@
       </p:grpSpPr>
       <p:sp>
         <p:nvSpPr>
-          <p:cNvPr id="2" name="Title 1"/>
-          <p:cNvSpPr>
-            <a:spLocks noGrp="1"/>
-          </p:cNvSpPr>
-          <p:nvPr>
-            <p:ph type="title"/>
+          <p:cNvPr id="3" name="Content Placeholder 2"/>
+          <p:cNvSpPr>
+            <a:spLocks noGrp="1"/>
+          </p:cNvSpPr>
+          <p:nvPr>
+            <p:ph idx="1"/>
           </p:nvPr>
         </p:nvSpPr>
         <p:spPr/>
@@ -6585,45 +6573,16 @@
           <a:lstStyle/>
           <a:p>
             <a:pPr lvl="0" marL="0" indent="0">
+              <a:spcBef>
+                <a:spcPts val="3000"/>
+              </a:spcBef>
               <a:buNone/>
             </a:pPr>
             <a:r>
-              <a:rPr/>
-              <a:t>Working</a:t>
-            </a:r>
-            <a:r>
-              <a:rPr/>
-              <a:t> </a:t>
-            </a:r>
-            <a:r>
-              <a:rPr/>
-              <a:t>with</a:t>
-            </a:r>
-            <a:r>
-              <a:rPr/>
-              <a:t> </a:t>
-            </a:r>
-            <a:r>
-              <a:rPr/>
-              <a:t>Variables</a:t>
-            </a:r>
-          </a:p>
-        </p:txBody>
-      </p:sp>
-      <p:sp>
-        <p:nvSpPr>
-          <p:cNvPr id="3" name="Content Placeholder 2"/>
-          <p:cNvSpPr>
-            <a:spLocks noGrp="1"/>
-          </p:cNvSpPr>
-          <p:nvPr>
-            <p:ph idx="1"/>
-          </p:nvPr>
-        </p:nvSpPr>
-        <p:spPr/>
-        <p:txBody>
-          <a:bodyPr/>
-          <a:lstStyle/>
+              <a:rPr b="1"/>
+              <a:t>Working with Variables</a:t>
+            </a:r>
+          </a:p>
           <a:p>
             <a:pPr lvl="0" marL="0" indent="0">
               <a:buNone/>
@@ -6735,11 +6694,11 @@
           <a:bodyPr/>
           <a:lstStyle/>
           <a:p>
-            <a:pPr lvl="0" marL="1270000" indent="0">
+            <a:pPr lvl="0" indent="0">
               <a:buNone/>
             </a:pPr>
             <a:r>
-              <a:rPr sz="1800" i="1">
+              <a:rPr i="1">
                 <a:solidFill>
                   <a:srgbClr val="60A0B0"/>
                 </a:solidFill>
@@ -6749,13 +6708,13 @@
             </a:r>
             <a:br/>
             <a:r>
-              <a:rPr sz="1800">
+              <a:rPr>
                 <a:latin typeface="Courier"/>
               </a:rPr>
               <a:t>x </a:t>
             </a:r>
             <a:r>
-              <a:rPr sz="1800">
+              <a:rPr>
                 <a:solidFill>
                   <a:srgbClr val="666666"/>
                 </a:solidFill>
@@ -6764,13 +6723,13 @@
               <a:t>=</a:t>
             </a:r>
             <a:r>
-              <a:rPr sz="1800">
-                <a:latin typeface="Courier"/>
-              </a:rPr>
-              <a:t> </a:t>
-            </a:r>
-            <a:r>
-              <a:rPr sz="1800">
+              <a:rPr>
+                <a:latin typeface="Courier"/>
+              </a:rPr>
+              <a:t> </a:t>
+            </a:r>
+            <a:r>
+              <a:rPr>
                 <a:solidFill>
                   <a:srgbClr val="4070A0"/>
                 </a:solidFill>
@@ -6781,7 +6740,7 @@
             <a:br/>
             <a:br/>
             <a:r>
-              <a:rPr sz="1800" i="1">
+              <a:rPr i="1">
                 <a:solidFill>
                   <a:srgbClr val="60A0B0"/>
                 </a:solidFill>
@@ -6791,10 +6750,10 @@
             </a:r>
             <a:br/>
             <a:r>
-              <a:rPr sz="1800">
-                <a:latin typeface="Courier"/>
-              </a:rPr>
-              <a:t>print(x) </a:t>
+              <a:rPr>
+                <a:latin typeface="Courier"/>
+              </a:rPr>
+              <a:t>print(x)</a:t>
             </a:r>
           </a:p>
           <a:p>

--- a/modules/module01/slides.pptx
+++ b/modules/module01/slides.pptx
@@ -229,7 +229,7 @@
           <a:p>
             <a:fld id="{0F9C1CCF-B725-44A7-AA57-5E433BD85C9F}" type="datetimeFigureOut">
               <a:rPr lang="en-US" smtClean="0"/>
-              <a:t>4/5/2019</a:t>
+              <a:t>2/17/2018</a:t>
             </a:fld>
             <a:endParaRPr lang="en-US"/>
           </a:p>
@@ -1334,7 +1334,7 @@
           <a:p>
             <a:fld id="{241EB5C9-1307-BA42-ABA2-0BC069CD8E7F}" type="datetimeFigureOut">
               <a:rPr lang="en-US" smtClean="0"/>
-              <a:t>4/5/2019</a:t>
+              <a:t>2/17/2018</a:t>
             </a:fld>
             <a:endParaRPr lang="en-US"/>
           </a:p>
@@ -1504,7 +1504,7 @@
           <a:p>
             <a:fld id="{241EB5C9-1307-BA42-ABA2-0BC069CD8E7F}" type="datetimeFigureOut">
               <a:rPr lang="en-US" smtClean="0"/>
-              <a:t>4/5/2019</a:t>
+              <a:t>2/17/2018</a:t>
             </a:fld>
             <a:endParaRPr lang="en-US"/>
           </a:p>
@@ -1684,7 +1684,7 @@
           <a:p>
             <a:fld id="{241EB5C9-1307-BA42-ABA2-0BC069CD8E7F}" type="datetimeFigureOut">
               <a:rPr lang="en-US" smtClean="0"/>
-              <a:t>4/5/2019</a:t>
+              <a:t>2/17/2018</a:t>
             </a:fld>
             <a:endParaRPr lang="en-US"/>
           </a:p>
@@ -1854,7 +1854,7 @@
           <a:p>
             <a:fld id="{241EB5C9-1307-BA42-ABA2-0BC069CD8E7F}" type="datetimeFigureOut">
               <a:rPr lang="en-US" smtClean="0"/>
-              <a:t>4/5/2019</a:t>
+              <a:t>2/17/2018</a:t>
             </a:fld>
             <a:endParaRPr lang="en-US"/>
           </a:p>
@@ -2100,7 +2100,7 @@
           <a:p>
             <a:fld id="{241EB5C9-1307-BA42-ABA2-0BC069CD8E7F}" type="datetimeFigureOut">
               <a:rPr lang="en-US" smtClean="0"/>
-              <a:t>4/5/2019</a:t>
+              <a:t>2/17/2018</a:t>
             </a:fld>
             <a:endParaRPr lang="en-US"/>
           </a:p>
@@ -2388,7 +2388,7 @@
           <a:p>
             <a:fld id="{241EB5C9-1307-BA42-ABA2-0BC069CD8E7F}" type="datetimeFigureOut">
               <a:rPr lang="en-US" smtClean="0"/>
-              <a:t>4/5/2019</a:t>
+              <a:t>2/17/2018</a:t>
             </a:fld>
             <a:endParaRPr lang="en-US"/>
           </a:p>
@@ -2810,7 +2810,7 @@
           <a:p>
             <a:fld id="{241EB5C9-1307-BA42-ABA2-0BC069CD8E7F}" type="datetimeFigureOut">
               <a:rPr lang="en-US" smtClean="0"/>
-              <a:t>4/5/2019</a:t>
+              <a:t>2/17/2018</a:t>
             </a:fld>
             <a:endParaRPr lang="en-US"/>
           </a:p>
@@ -2928,7 +2928,7 @@
           <a:p>
             <a:fld id="{241EB5C9-1307-BA42-ABA2-0BC069CD8E7F}" type="datetimeFigureOut">
               <a:rPr lang="en-US" smtClean="0"/>
-              <a:t>4/5/2019</a:t>
+              <a:t>2/17/2018</a:t>
             </a:fld>
             <a:endParaRPr lang="en-US"/>
           </a:p>
@@ -3023,7 +3023,7 @@
           <a:p>
             <a:fld id="{241EB5C9-1307-BA42-ABA2-0BC069CD8E7F}" type="datetimeFigureOut">
               <a:rPr lang="en-US" smtClean="0"/>
-              <a:t>4/5/2019</a:t>
+              <a:t>2/17/2018</a:t>
             </a:fld>
             <a:endParaRPr lang="en-US"/>
           </a:p>
@@ -3300,7 +3300,7 @@
           <a:p>
             <a:fld id="{241EB5C9-1307-BA42-ABA2-0BC069CD8E7F}" type="datetimeFigureOut">
               <a:rPr lang="en-US" smtClean="0"/>
-              <a:t>4/5/2019</a:t>
+              <a:t>2/17/2018</a:t>
             </a:fld>
             <a:endParaRPr lang="en-US"/>
           </a:p>
@@ -3553,7 +3553,7 @@
           <a:p>
             <a:fld id="{241EB5C9-1307-BA42-ABA2-0BC069CD8E7F}" type="datetimeFigureOut">
               <a:rPr lang="en-US" smtClean="0"/>
-              <a:t>4/5/2019</a:t>
+              <a:t>2/17/2018</a:t>
             </a:fld>
             <a:endParaRPr lang="en-US"/>
           </a:p>
@@ -3766,7 +3766,7 @@
           <a:p>
             <a:fld id="{241EB5C9-1307-BA42-ABA2-0BC069CD8E7F}" type="datetimeFigureOut">
               <a:rPr lang="en-US" smtClean="0"/>
-              <a:t>4/5/2019</a:t>
+              <a:t>2/17/2018</a:t>
             </a:fld>
             <a:endParaRPr lang="en-US"/>
           </a:p>
@@ -4264,17 +4264,17 @@
           <a:bodyPr/>
           <a:lstStyle/>
           <a:p>
-            <a:pPr lvl="0" indent="0">
+            <a:pPr lvl="0" marL="1270000" indent="0">
               <a:buNone/>
             </a:pPr>
             <a:r>
-              <a:rPr>
+              <a:rPr sz="1800">
                 <a:latin typeface="Courier"/>
               </a:rPr>
               <a:t>x </a:t>
             </a:r>
             <a:r>
-              <a:rPr>
+              <a:rPr sz="1800">
                 <a:solidFill>
                   <a:srgbClr val="666666"/>
                 </a:solidFill>
@@ -4283,13 +4283,13 @@
               <a:t>=</a:t>
             </a:r>
             <a:r>
-              <a:rPr>
-                <a:latin typeface="Courier"/>
-              </a:rPr>
-              <a:t> </a:t>
-            </a:r>
-            <a:r>
-              <a:rPr>
+              <a:rPr sz="1800">
+                <a:latin typeface="Courier"/>
+              </a:rPr>
+              <a:t> </a:t>
+            </a:r>
+            <a:r>
+              <a:rPr sz="1800">
                 <a:solidFill>
                   <a:srgbClr val="40A070"/>
                 </a:solidFill>
@@ -4297,15 +4297,21 @@
               </a:rPr>
               <a:t>2</a:t>
             </a:r>
+            <a:r>
+              <a:rPr sz="1800">
+                <a:latin typeface="Courier"/>
+              </a:rPr>
+              <a:t> </a:t>
+            </a:r>
             <a:br/>
             <a:r>
-              <a:rPr>
+              <a:rPr sz="1800">
                 <a:latin typeface="Courier"/>
               </a:rPr>
               <a:t>x </a:t>
             </a:r>
             <a:r>
-              <a:rPr>
+              <a:rPr sz="1800">
                 <a:solidFill>
                   <a:srgbClr val="666666"/>
                 </a:solidFill>
@@ -4314,7 +4320,7 @@
               <a:t>*</a:t>
             </a:r>
             <a:r>
-              <a:rPr>
+              <a:rPr sz="1800">
                 <a:latin typeface="Courier"/>
               </a:rPr>
               <a:t> x</a:t>
@@ -4368,17 +4374,17 @@
           <a:bodyPr/>
           <a:lstStyle/>
           <a:p>
-            <a:pPr lvl="0" indent="0">
+            <a:pPr lvl="0" marL="1270000" indent="0">
               <a:buNone/>
             </a:pPr>
             <a:r>
-              <a:rPr>
+              <a:rPr sz="1800">
                 <a:latin typeface="Courier"/>
               </a:rPr>
               <a:t>x </a:t>
             </a:r>
             <a:r>
-              <a:rPr>
+              <a:rPr sz="1800">
                 <a:solidFill>
                   <a:srgbClr val="666666"/>
                 </a:solidFill>
@@ -4387,13 +4393,13 @@
               <a:t>=</a:t>
             </a:r>
             <a:r>
-              <a:rPr>
-                <a:latin typeface="Courier"/>
-              </a:rPr>
-              <a:t> </a:t>
-            </a:r>
-            <a:r>
-              <a:rPr>
+              <a:rPr sz="1800">
+                <a:latin typeface="Courier"/>
+              </a:rPr>
+              <a:t> </a:t>
+            </a:r>
+            <a:r>
+              <a:rPr sz="1800">
                 <a:solidFill>
                   <a:srgbClr val="40A070"/>
                 </a:solidFill>
@@ -4403,13 +4409,13 @@
             </a:r>
             <a:br/>
             <a:r>
-              <a:rPr>
+              <a:rPr sz="1800">
                 <a:latin typeface="Courier"/>
               </a:rPr>
               <a:t>x </a:t>
             </a:r>
             <a:r>
-              <a:rPr>
+              <a:rPr sz="1800">
                 <a:solidFill>
                   <a:srgbClr val="666666"/>
                 </a:solidFill>
@@ -4418,13 +4424,13 @@
               <a:t>**</a:t>
             </a:r>
             <a:r>
-              <a:rPr>
-                <a:latin typeface="Courier"/>
-              </a:rPr>
-              <a:t> </a:t>
-            </a:r>
-            <a:r>
-              <a:rPr>
+              <a:rPr sz="1800">
+                <a:latin typeface="Courier"/>
+              </a:rPr>
+              <a:t> </a:t>
+            </a:r>
+            <a:r>
+              <a:rPr sz="1800">
                 <a:solidFill>
                   <a:srgbClr val="40A070"/>
                 </a:solidFill>
@@ -4481,17 +4487,17 @@
           <a:bodyPr/>
           <a:lstStyle/>
           <a:p>
-            <a:pPr lvl="0" indent="0">
+            <a:pPr lvl="0" marL="1270000" indent="0">
               <a:buNone/>
             </a:pPr>
             <a:r>
-              <a:rPr>
+              <a:rPr sz="1800">
                 <a:latin typeface="Courier"/>
               </a:rPr>
               <a:t>x </a:t>
             </a:r>
             <a:r>
-              <a:rPr>
+              <a:rPr sz="1800">
                 <a:solidFill>
                   <a:srgbClr val="666666"/>
                 </a:solidFill>
@@ -4500,13 +4506,13 @@
               <a:t>=</a:t>
             </a:r>
             <a:r>
-              <a:rPr>
-                <a:latin typeface="Courier"/>
-              </a:rPr>
-              <a:t> </a:t>
-            </a:r>
-            <a:r>
-              <a:rPr>
+              <a:rPr sz="1800">
+                <a:latin typeface="Courier"/>
+              </a:rPr>
+              <a:t> </a:t>
+            </a:r>
+            <a:r>
+              <a:rPr sz="1800">
                 <a:solidFill>
                   <a:srgbClr val="40A070"/>
                 </a:solidFill>
@@ -4514,15 +4520,21 @@
               </a:rPr>
               <a:t>2</a:t>
             </a:r>
+            <a:r>
+              <a:rPr sz="1800">
+                <a:latin typeface="Courier"/>
+              </a:rPr>
+              <a:t> </a:t>
+            </a:r>
             <a:br/>
             <a:r>
-              <a:rPr>
+              <a:rPr sz="1800">
                 <a:latin typeface="Courier"/>
               </a:rPr>
               <a:t>y </a:t>
             </a:r>
             <a:r>
-              <a:rPr>
+              <a:rPr sz="1800">
                 <a:solidFill>
                   <a:srgbClr val="666666"/>
                 </a:solidFill>
@@ -4531,13 +4543,13 @@
               <a:t>=</a:t>
             </a:r>
             <a:r>
-              <a:rPr>
-                <a:latin typeface="Courier"/>
-              </a:rPr>
-              <a:t> </a:t>
-            </a:r>
-            <a:r>
-              <a:rPr>
+              <a:rPr sz="1800">
+                <a:latin typeface="Courier"/>
+              </a:rPr>
+              <a:t> </a:t>
+            </a:r>
+            <a:r>
+              <a:rPr sz="1800">
                 <a:solidFill>
                   <a:srgbClr val="40A070"/>
                 </a:solidFill>
@@ -4547,13 +4559,13 @@
             </a:r>
             <a:br/>
             <a:r>
-              <a:rPr>
+              <a:rPr sz="1800">
                 <a:latin typeface="Courier"/>
               </a:rPr>
               <a:t>x </a:t>
             </a:r>
             <a:r>
-              <a:rPr>
+              <a:rPr sz="1800">
                 <a:solidFill>
                   <a:srgbClr val="666666"/>
                 </a:solidFill>
@@ -4562,7 +4574,7 @@
               <a:t>==</a:t>
             </a:r>
             <a:r>
-              <a:rPr>
+              <a:rPr sz="1800">
                 <a:latin typeface="Courier"/>
               </a:rPr>
               <a:t> y</a:t>
@@ -4616,17 +4628,17 @@
           <a:bodyPr/>
           <a:lstStyle/>
           <a:p>
-            <a:pPr lvl="0" indent="0">
+            <a:pPr lvl="0" marL="1270000" indent="0">
               <a:buNone/>
             </a:pPr>
             <a:r>
-              <a:rPr>
+              <a:rPr sz="1800">
                 <a:latin typeface="Courier"/>
               </a:rPr>
               <a:t>x </a:t>
             </a:r>
             <a:r>
-              <a:rPr>
+              <a:rPr sz="1800">
                 <a:solidFill>
                   <a:srgbClr val="666666"/>
                 </a:solidFill>
@@ -4635,13 +4647,13 @@
               <a:t>=</a:t>
             </a:r>
             <a:r>
-              <a:rPr>
-                <a:latin typeface="Courier"/>
-              </a:rPr>
-              <a:t> </a:t>
-            </a:r>
-            <a:r>
-              <a:rPr>
+              <a:rPr sz="1800">
+                <a:latin typeface="Courier"/>
+              </a:rPr>
+              <a:t> </a:t>
+            </a:r>
+            <a:r>
+              <a:rPr sz="1800">
                 <a:solidFill>
                   <a:srgbClr val="40A070"/>
                 </a:solidFill>
@@ -4651,13 +4663,13 @@
             </a:r>
             <a:br/>
             <a:r>
-              <a:rPr>
+              <a:rPr sz="1800">
                 <a:latin typeface="Courier"/>
               </a:rPr>
               <a:t>y </a:t>
             </a:r>
             <a:r>
-              <a:rPr>
+              <a:rPr sz="1800">
                 <a:solidFill>
                   <a:srgbClr val="666666"/>
                 </a:solidFill>
@@ -4666,13 +4678,13 @@
               <a:t>=</a:t>
             </a:r>
             <a:r>
-              <a:rPr>
-                <a:latin typeface="Courier"/>
-              </a:rPr>
-              <a:t> </a:t>
-            </a:r>
-            <a:r>
-              <a:rPr>
+              <a:rPr sz="1800">
+                <a:latin typeface="Courier"/>
+              </a:rPr>
+              <a:t> </a:t>
+            </a:r>
+            <a:r>
+              <a:rPr sz="1800">
                 <a:solidFill>
                   <a:srgbClr val="40A070"/>
                 </a:solidFill>
@@ -4682,13 +4694,13 @@
             </a:r>
             <a:br/>
             <a:r>
-              <a:rPr>
+              <a:rPr sz="1800">
                 <a:latin typeface="Courier"/>
               </a:rPr>
               <a:t>x </a:t>
             </a:r>
             <a:r>
-              <a:rPr>
+              <a:rPr sz="1800">
                 <a:solidFill>
                   <a:srgbClr val="666666"/>
                 </a:solidFill>
@@ -4697,7 +4709,7 @@
               <a:t>-</a:t>
             </a:r>
             <a:r>
-              <a:rPr>
+              <a:rPr sz="1800">
                 <a:latin typeface="Courier"/>
               </a:rPr>
               <a:t> y</a:t>
@@ -4751,17 +4763,17 @@
           <a:bodyPr/>
           <a:lstStyle/>
           <a:p>
-            <a:pPr lvl="0" indent="0">
+            <a:pPr lvl="0" marL="1270000" indent="0">
               <a:buNone/>
             </a:pPr>
             <a:r>
-              <a:rPr>
+              <a:rPr sz="1800">
                 <a:latin typeface="Courier"/>
               </a:rPr>
               <a:t>x </a:t>
             </a:r>
             <a:r>
-              <a:rPr>
+              <a:rPr sz="1800">
                 <a:solidFill>
                   <a:srgbClr val="666666"/>
                 </a:solidFill>
@@ -4770,13 +4782,13 @@
               <a:t>=</a:t>
             </a:r>
             <a:r>
-              <a:rPr>
-                <a:latin typeface="Courier"/>
-              </a:rPr>
-              <a:t> </a:t>
-            </a:r>
-            <a:r>
-              <a:rPr>
+              <a:rPr sz="1800">
+                <a:latin typeface="Courier"/>
+              </a:rPr>
+              <a:t> </a:t>
+            </a:r>
+            <a:r>
+              <a:rPr sz="1800">
                 <a:solidFill>
                   <a:srgbClr val="40A070"/>
                 </a:solidFill>
@@ -4786,13 +4798,13 @@
             </a:r>
             <a:br/>
             <a:r>
-              <a:rPr>
+              <a:rPr sz="1800">
                 <a:latin typeface="Courier"/>
               </a:rPr>
               <a:t>y </a:t>
             </a:r>
             <a:r>
-              <a:rPr>
+              <a:rPr sz="1800">
                 <a:solidFill>
                   <a:srgbClr val="666666"/>
                 </a:solidFill>
@@ -4801,13 +4813,13 @@
               <a:t>=</a:t>
             </a:r>
             <a:r>
-              <a:rPr>
-                <a:latin typeface="Courier"/>
-              </a:rPr>
-              <a:t> </a:t>
-            </a:r>
-            <a:r>
-              <a:rPr>
+              <a:rPr sz="1800">
+                <a:latin typeface="Courier"/>
+              </a:rPr>
+              <a:t> </a:t>
+            </a:r>
+            <a:r>
+              <a:rPr sz="1800">
                 <a:solidFill>
                   <a:srgbClr val="40A070"/>
                 </a:solidFill>
@@ -4817,13 +4829,13 @@
             </a:r>
             <a:br/>
             <a:r>
-              <a:rPr>
+              <a:rPr sz="1800">
                 <a:latin typeface="Courier"/>
               </a:rPr>
               <a:t>y </a:t>
             </a:r>
             <a:r>
-              <a:rPr>
+              <a:rPr sz="1800">
                 <a:solidFill>
                   <a:srgbClr val="666666"/>
                 </a:solidFill>
@@ -4832,13 +4844,13 @@
               <a:t>-</a:t>
             </a:r>
             <a:r>
-              <a:rPr>
+              <a:rPr sz="1800">
                 <a:latin typeface="Courier"/>
               </a:rPr>
               <a:t> x </a:t>
             </a:r>
             <a:r>
-              <a:rPr>
+              <a:rPr sz="1800">
                 <a:solidFill>
                   <a:srgbClr val="666666"/>
                 </a:solidFill>
@@ -4847,13 +4859,13 @@
               <a:t>+</a:t>
             </a:r>
             <a:r>
-              <a:rPr>
-                <a:latin typeface="Courier"/>
-              </a:rPr>
-              <a:t> </a:t>
-            </a:r>
-            <a:r>
-              <a:rPr>
+              <a:rPr sz="1800">
+                <a:latin typeface="Courier"/>
+              </a:rPr>
+              <a:t> </a:t>
+            </a:r>
+            <a:r>
+              <a:rPr sz="1800">
                 <a:solidFill>
                   <a:srgbClr val="40A070"/>
                 </a:solidFill>
@@ -4910,17 +4922,17 @@
           <a:bodyPr/>
           <a:lstStyle/>
           <a:p>
-            <a:pPr lvl="0" indent="0">
+            <a:pPr lvl="0" marL="1270000" indent="0">
               <a:buNone/>
             </a:pPr>
             <a:r>
-              <a:rPr>
+              <a:rPr sz="1800">
                 <a:latin typeface="Courier"/>
               </a:rPr>
               <a:t>x </a:t>
             </a:r>
             <a:r>
-              <a:rPr>
+              <a:rPr sz="1800">
                 <a:solidFill>
                   <a:srgbClr val="666666"/>
                 </a:solidFill>
@@ -4929,13 +4941,13 @@
               <a:t>=</a:t>
             </a:r>
             <a:r>
-              <a:rPr>
-                <a:latin typeface="Courier"/>
-              </a:rPr>
-              <a:t> </a:t>
-            </a:r>
-            <a:r>
-              <a:rPr>
+              <a:rPr sz="1800">
+                <a:latin typeface="Courier"/>
+              </a:rPr>
+              <a:t> </a:t>
+            </a:r>
+            <a:r>
+              <a:rPr sz="1800">
                 <a:solidFill>
                   <a:srgbClr val="40A070"/>
                 </a:solidFill>
@@ -4945,7 +4957,7 @@
             </a:r>
             <a:br/>
             <a:r>
-              <a:rPr>
+              <a:rPr sz="1800">
                 <a:solidFill>
                   <a:srgbClr val="40A070"/>
                 </a:solidFill>
@@ -4954,13 +4966,13 @@
               <a:t>2</a:t>
             </a:r>
             <a:r>
-              <a:rPr>
-                <a:latin typeface="Courier"/>
-              </a:rPr>
-              <a:t> </a:t>
-            </a:r>
-            <a:r>
-              <a:rPr>
+              <a:rPr sz="1800">
+                <a:latin typeface="Courier"/>
+              </a:rPr>
+              <a:t> </a:t>
+            </a:r>
+            <a:r>
+              <a:rPr sz="1800">
                 <a:solidFill>
                   <a:srgbClr val="666666"/>
                 </a:solidFill>
@@ -4969,13 +4981,13 @@
               <a:t>+</a:t>
             </a:r>
             <a:r>
-              <a:rPr>
+              <a:rPr sz="1800">
                 <a:latin typeface="Courier"/>
               </a:rPr>
               <a:t> x </a:t>
             </a:r>
             <a:r>
-              <a:rPr>
+              <a:rPr sz="1800">
                 <a:solidFill>
                   <a:srgbClr val="666666"/>
                 </a:solidFill>
@@ -4984,13 +4996,13 @@
               <a:t>**</a:t>
             </a:r>
             <a:r>
-              <a:rPr>
-                <a:latin typeface="Courier"/>
-              </a:rPr>
-              <a:t> </a:t>
-            </a:r>
-            <a:r>
-              <a:rPr>
+              <a:rPr sz="1800">
+                <a:latin typeface="Courier"/>
+              </a:rPr>
+              <a:t> </a:t>
+            </a:r>
+            <a:r>
+              <a:rPr sz="1800">
                 <a:solidFill>
                   <a:srgbClr val="40A070"/>
                 </a:solidFill>
@@ -5064,11 +5076,11 @@
             </a:r>
           </a:p>
           <a:p>
-            <a:pPr lvl="0" indent="0">
+            <a:pPr lvl="0" marL="1270000" indent="0">
               <a:buNone/>
             </a:pPr>
             <a:r>
-              <a:rPr i="1">
+              <a:rPr sz="1800" i="1">
                 <a:solidFill>
                   <a:srgbClr val="60A0B0"/>
                 </a:solidFill>
@@ -5077,13 +5089,13 @@
               <a:t>"u"</a:t>
             </a:r>
             <a:r>
-              <a:rPr>
-                <a:latin typeface="Courier"/>
-              </a:rPr>
-              <a:t> </a:t>
-            </a:r>
-            <a:r>
-              <a:rPr>
+              <a:rPr sz="1800">
+                <a:latin typeface="Courier"/>
+              </a:rPr>
+              <a:t> </a:t>
+            </a:r>
+            <a:r>
+              <a:rPr sz="1800">
                 <a:solidFill>
                   <a:srgbClr val="666666"/>
                 </a:solidFill>
@@ -5092,13 +5104,13 @@
               <a:t>+</a:t>
             </a:r>
             <a:r>
-              <a:rPr>
-                <a:latin typeface="Courier"/>
-              </a:rPr>
-              <a:t> </a:t>
-            </a:r>
-            <a:r>
-              <a:rPr>
+              <a:rPr sz="1800">
+                <a:latin typeface="Courier"/>
+              </a:rPr>
+              <a:t> </a:t>
+            </a:r>
+            <a:r>
+              <a:rPr sz="1800">
                 <a:solidFill>
                   <a:srgbClr val="4070A0"/>
                 </a:solidFill>
@@ -5107,13 +5119,13 @@
               <a:t>"m"</a:t>
             </a:r>
             <a:r>
-              <a:rPr>
-                <a:latin typeface="Courier"/>
-              </a:rPr>
-              <a:t> </a:t>
-            </a:r>
-            <a:r>
-              <a:rPr>
+              <a:rPr sz="1800">
+                <a:latin typeface="Courier"/>
+              </a:rPr>
+              <a:t> </a:t>
+            </a:r>
+            <a:r>
+              <a:rPr sz="1800">
                 <a:solidFill>
                   <a:srgbClr val="666666"/>
                 </a:solidFill>
@@ -5122,13 +5134,13 @@
               <a:t>+</a:t>
             </a:r>
             <a:r>
-              <a:rPr>
-                <a:latin typeface="Courier"/>
-              </a:rPr>
-              <a:t> </a:t>
-            </a:r>
-            <a:r>
-              <a:rPr>
+              <a:rPr sz="1800">
+                <a:latin typeface="Courier"/>
+              </a:rPr>
+              <a:t> </a:t>
+            </a:r>
+            <a:r>
+              <a:rPr sz="1800">
                 <a:solidFill>
                   <a:srgbClr val="4070A0"/>
                 </a:solidFill>
@@ -5147,11 +5159,11 @@
             </a:r>
           </a:p>
           <a:p>
-            <a:pPr lvl="0" indent="0">
+            <a:pPr lvl="0" marL="1270000" indent="0">
               <a:buNone/>
             </a:pPr>
             <a:r>
-              <a:rPr i="1">
+              <a:rPr sz="1800" i="1">
                 <a:solidFill>
                   <a:srgbClr val="60A0B0"/>
                 </a:solidFill>
@@ -5160,13 +5172,13 @@
               <a:t>"umd "</a:t>
             </a:r>
             <a:r>
-              <a:rPr>
-                <a:latin typeface="Courier"/>
-              </a:rPr>
-              <a:t> </a:t>
-            </a:r>
-            <a:r>
-              <a:rPr>
+              <a:rPr sz="1800">
+                <a:latin typeface="Courier"/>
+              </a:rPr>
+              <a:t> </a:t>
+            </a:r>
+            <a:r>
+              <a:rPr sz="1800">
                 <a:solidFill>
                   <a:srgbClr val="666666"/>
                 </a:solidFill>
@@ -5175,13 +5187,13 @@
               <a:t>*</a:t>
             </a:r>
             <a:r>
-              <a:rPr>
-                <a:latin typeface="Courier"/>
-              </a:rPr>
-              <a:t> </a:t>
-            </a:r>
-            <a:r>
-              <a:rPr>
+              <a:rPr sz="1800">
+                <a:latin typeface="Courier"/>
+              </a:rPr>
+              <a:t> </a:t>
+            </a:r>
+            <a:r>
+              <a:rPr sz="1800">
                 <a:solidFill>
                   <a:srgbClr val="40A070"/>
                 </a:solidFill>
@@ -5340,17 +5352,17 @@
             </a:r>
           </a:p>
           <a:p>
-            <a:pPr lvl="0" indent="0">
+            <a:pPr lvl="0" marL="1270000" indent="0">
               <a:buNone/>
             </a:pPr>
             <a:r>
-              <a:rPr>
+              <a:rPr sz="1800">
                 <a:latin typeface="Courier"/>
               </a:rPr>
               <a:t>username </a:t>
             </a:r>
             <a:r>
-              <a:rPr>
+              <a:rPr sz="1800">
                 <a:solidFill>
                   <a:srgbClr val="666666"/>
                 </a:solidFill>
@@ -5359,13 +5371,13 @@
               <a:t>=</a:t>
             </a:r>
             <a:r>
-              <a:rPr>
+              <a:rPr sz="1800">
                 <a:latin typeface="Courier"/>
               </a:rPr>
               <a:t> input(</a:t>
             </a:r>
             <a:r>
-              <a:rPr>
+              <a:rPr sz="1800">
                 <a:solidFill>
                   <a:srgbClr val="4070A0"/>
                 </a:solidFill>
@@ -5374,20 +5386,20 @@
               <a:t>"Enter your name: "</a:t>
             </a:r>
             <a:r>
-              <a:rPr>
+              <a:rPr sz="1800">
                 <a:latin typeface="Courier"/>
               </a:rPr>
               <a:t>)</a:t>
             </a:r>
             <a:br/>
             <a:r>
-              <a:rPr>
+              <a:rPr sz="1800">
                 <a:latin typeface="Courier"/>
               </a:rPr>
               <a:t>print(</a:t>
             </a:r>
             <a:r>
-              <a:rPr>
+              <a:rPr sz="1800">
                 <a:solidFill>
                   <a:srgbClr val="4070A0"/>
                 </a:solidFill>
@@ -5396,7 +5408,7 @@
               <a:t>"Hello"</a:t>
             </a:r>
             <a:r>
-              <a:rPr>
+              <a:rPr sz="1800">
                 <a:latin typeface="Courier"/>
               </a:rPr>
               <a:t>, username)</a:t>
@@ -5750,11 +5762,11 @@
           <a:bodyPr/>
           <a:lstStyle/>
           <a:p>
-            <a:pPr lvl="0" indent="0">
+            <a:pPr lvl="0" marL="1270000" indent="0">
               <a:buNone/>
             </a:pPr>
             <a:r>
-              <a:rPr b="1">
+              <a:rPr sz="1800" b="1">
                 <a:solidFill>
                   <a:srgbClr val="007020"/>
                 </a:solidFill>
@@ -5763,13 +5775,13 @@
               <a:t>if</a:t>
             </a:r>
             <a:r>
-              <a:rPr>
-                <a:latin typeface="Courier"/>
-              </a:rPr>
-              <a:t> </a:t>
-            </a:r>
-            <a:r>
-              <a:rPr>
+              <a:rPr sz="1800">
+                <a:latin typeface="Courier"/>
+              </a:rPr>
+              <a:t> </a:t>
+            </a:r>
+            <a:r>
+              <a:rPr sz="1800">
                 <a:solidFill>
                   <a:srgbClr val="40A070"/>
                 </a:solidFill>
@@ -5778,13 +5790,13 @@
               <a:t>1</a:t>
             </a:r>
             <a:r>
-              <a:rPr>
-                <a:latin typeface="Courier"/>
-              </a:rPr>
-              <a:t> </a:t>
-            </a:r>
-            <a:r>
-              <a:rPr>
+              <a:rPr sz="1800">
+                <a:latin typeface="Courier"/>
+              </a:rPr>
+              <a:t> </a:t>
+            </a:r>
+            <a:r>
+              <a:rPr sz="1800">
                 <a:solidFill>
                   <a:srgbClr val="666666"/>
                 </a:solidFill>
@@ -5793,13 +5805,13 @@
               <a:t>&gt;</a:t>
             </a:r>
             <a:r>
-              <a:rPr>
-                <a:latin typeface="Courier"/>
-              </a:rPr>
-              <a:t> </a:t>
-            </a:r>
-            <a:r>
-              <a:rPr>
+              <a:rPr sz="1800">
+                <a:latin typeface="Courier"/>
+              </a:rPr>
+              <a:t> </a:t>
+            </a:r>
+            <a:r>
+              <a:rPr sz="1800">
                 <a:solidFill>
                   <a:srgbClr val="40A070"/>
                 </a:solidFill>
@@ -5808,20 +5820,20 @@
               <a:t>0</a:t>
             </a:r>
             <a:r>
-              <a:rPr>
+              <a:rPr sz="1800">
                 <a:latin typeface="Courier"/>
               </a:rPr>
               <a:t>:</a:t>
             </a:r>
             <a:br/>
             <a:r>
-              <a:rPr>
+              <a:rPr sz="1800">
                 <a:latin typeface="Courier"/>
               </a:rPr>
               <a:t>    print(</a:t>
             </a:r>
             <a:r>
-              <a:rPr>
+              <a:rPr sz="1800">
                 <a:solidFill>
                   <a:srgbClr val="4070A0"/>
                 </a:solidFill>
@@ -5830,14 +5842,14 @@
               <a:t>"yes"</a:t>
             </a:r>
             <a:r>
-              <a:rPr>
+              <a:rPr sz="1800">
                 <a:latin typeface="Courier"/>
               </a:rPr>
               <a:t>)</a:t>
             </a:r>
             <a:br/>
             <a:r>
-              <a:rPr b="1">
+              <a:rPr sz="1800" b="1">
                 <a:solidFill>
                   <a:srgbClr val="007020"/>
                 </a:solidFill>
@@ -5846,20 +5858,20 @@
               <a:t>else</a:t>
             </a:r>
             <a:r>
-              <a:rPr>
+              <a:rPr sz="1800">
                 <a:latin typeface="Courier"/>
               </a:rPr>
               <a:t>:</a:t>
             </a:r>
             <a:br/>
             <a:r>
-              <a:rPr>
+              <a:rPr sz="1800">
                 <a:latin typeface="Courier"/>
               </a:rPr>
               <a:t>    print(</a:t>
             </a:r>
             <a:r>
-              <a:rPr>
+              <a:rPr sz="1800">
                 <a:solidFill>
                   <a:srgbClr val="4070A0"/>
                 </a:solidFill>
@@ -5868,7 +5880,7 @@
               <a:t>"no"</a:t>
             </a:r>
             <a:r>
-              <a:rPr>
+              <a:rPr sz="1800">
                 <a:latin typeface="Courier"/>
               </a:rPr>
               <a:t>)</a:t>
@@ -5963,17 +5975,17 @@
           <a:bodyPr/>
           <a:lstStyle/>
           <a:p>
-            <a:pPr lvl="0" indent="0">
+            <a:pPr lvl="0" marL="1270000" indent="0">
               <a:buNone/>
             </a:pPr>
             <a:r>
-              <a:rPr>
+              <a:rPr sz="1800">
                 <a:latin typeface="Courier"/>
               </a:rPr>
               <a:t>order </a:t>
             </a:r>
             <a:r>
-              <a:rPr>
+              <a:rPr sz="1800">
                 <a:solidFill>
                   <a:srgbClr val="666666"/>
                 </a:solidFill>
@@ -5982,13 +5994,13 @@
               <a:t>=</a:t>
             </a:r>
             <a:r>
-              <a:rPr>
+              <a:rPr sz="1800">
                 <a:latin typeface="Courier"/>
               </a:rPr>
               <a:t> input(</a:t>
             </a:r>
             <a:r>
-              <a:rPr>
+              <a:rPr sz="1800">
                 <a:solidFill>
                   <a:srgbClr val="4070A0"/>
                 </a:solidFill>
@@ -5997,7 +6009,7 @@
               <a:t>"What can I get you? "</a:t>
             </a:r>
             <a:r>
-              <a:rPr>
+              <a:rPr sz="1800">
                 <a:latin typeface="Courier"/>
               </a:rPr>
               <a:t>)</a:t>
@@ -6005,7 +6017,7 @@
             <a:br/>
             <a:br/>
             <a:r>
-              <a:rPr b="1">
+              <a:rPr sz="1800" b="1">
                 <a:solidFill>
                   <a:srgbClr val="007020"/>
                 </a:solidFill>
@@ -6014,13 +6026,13 @@
               <a:t>if</a:t>
             </a:r>
             <a:r>
-              <a:rPr>
+              <a:rPr sz="1800">
                 <a:latin typeface="Courier"/>
               </a:rPr>
               <a:t> order </a:t>
             </a:r>
             <a:r>
-              <a:rPr>
+              <a:rPr sz="1800">
                 <a:solidFill>
                   <a:srgbClr val="666666"/>
                 </a:solidFill>
@@ -6029,13 +6041,13 @@
               <a:t>==</a:t>
             </a:r>
             <a:r>
-              <a:rPr>
-                <a:latin typeface="Courier"/>
-              </a:rPr>
-              <a:t> </a:t>
-            </a:r>
-            <a:r>
-              <a:rPr>
+              <a:rPr sz="1800">
+                <a:latin typeface="Courier"/>
+              </a:rPr>
+              <a:t> </a:t>
+            </a:r>
+            <a:r>
+              <a:rPr sz="1800">
                 <a:solidFill>
                   <a:srgbClr val="4070A0"/>
                 </a:solidFill>
@@ -6044,20 +6056,20 @@
               <a:t>"burger"</a:t>
             </a:r>
             <a:r>
-              <a:rPr>
+              <a:rPr sz="1800">
                 <a:latin typeface="Courier"/>
               </a:rPr>
               <a:t>:</a:t>
             </a:r>
             <a:br/>
             <a:r>
-              <a:rPr>
+              <a:rPr sz="1800">
                 <a:latin typeface="Courier"/>
               </a:rPr>
               <a:t>    side </a:t>
             </a:r>
             <a:r>
-              <a:rPr>
+              <a:rPr sz="1800">
                 <a:solidFill>
                   <a:srgbClr val="666666"/>
                 </a:solidFill>
@@ -6066,13 +6078,13 @@
               <a:t>=</a:t>
             </a:r>
             <a:r>
-              <a:rPr>
+              <a:rPr sz="1800">
                 <a:latin typeface="Courier"/>
               </a:rPr>
               <a:t> input(</a:t>
             </a:r>
             <a:r>
-              <a:rPr>
+              <a:rPr sz="1800">
                 <a:solidFill>
                   <a:srgbClr val="4070A0"/>
                 </a:solidFill>
@@ -6081,14 +6093,14 @@
               <a:t>"Would you like fries? "</a:t>
             </a:r>
             <a:r>
-              <a:rPr>
+              <a:rPr sz="1800">
                 <a:latin typeface="Courier"/>
               </a:rPr>
               <a:t>)</a:t>
             </a:r>
             <a:br/>
             <a:r>
-              <a:rPr b="1">
+              <a:rPr sz="1800" b="1">
                 <a:solidFill>
                   <a:srgbClr val="007020"/>
                 </a:solidFill>
@@ -6097,13 +6109,13 @@
               <a:t>elif</a:t>
             </a:r>
             <a:r>
-              <a:rPr>
+              <a:rPr sz="1800">
                 <a:latin typeface="Courier"/>
               </a:rPr>
               <a:t> order </a:t>
             </a:r>
             <a:r>
-              <a:rPr>
+              <a:rPr sz="1800">
                 <a:solidFill>
                   <a:srgbClr val="666666"/>
                 </a:solidFill>
@@ -6112,13 +6124,13 @@
               <a:t>==</a:t>
             </a:r>
             <a:r>
-              <a:rPr>
-                <a:latin typeface="Courier"/>
-              </a:rPr>
-              <a:t> </a:t>
-            </a:r>
-            <a:r>
-              <a:rPr>
+              <a:rPr sz="1800">
+                <a:latin typeface="Courier"/>
+              </a:rPr>
+              <a:t> </a:t>
+            </a:r>
+            <a:r>
+              <a:rPr sz="1800">
                 <a:solidFill>
                   <a:srgbClr val="4070A0"/>
                 </a:solidFill>
@@ -6128,7 +6140,7 @@
             </a:r>
             <a:br/>
             <a:r>
-              <a:rPr>
+              <a:rPr sz="1800">
                 <a:solidFill>
                   <a:srgbClr val="4070A0"/>
                 </a:solidFill>
@@ -6137,13 +6149,13 @@
               <a:t>    side = input("</a:t>
             </a:r>
             <a:r>
-              <a:rPr>
+              <a:rPr sz="1800">
                 <a:latin typeface="Courier"/>
               </a:rPr>
               <a:t>What kind of dressing? </a:t>
             </a:r>
             <a:r>
-              <a:rPr>
+              <a:rPr sz="1800">
                 <a:solidFill>
                   <a:srgbClr val="4070A0"/>
                 </a:solidFill>
@@ -6153,7 +6165,7 @@
             </a:r>
             <a:br/>
             <a:r>
-              <a:rPr>
+              <a:rPr sz="1800">
                 <a:solidFill>
                   <a:srgbClr val="4070A0"/>
                 </a:solidFill>
@@ -6163,7 +6175,7 @@
             </a:r>
             <a:br/>
             <a:r>
-              <a:rPr>
+              <a:rPr sz="1800">
                 <a:solidFill>
                   <a:srgbClr val="4070A0"/>
                 </a:solidFill>
@@ -6172,13 +6184,13 @@
               <a:t>    print("</a:t>
             </a:r>
             <a:r>
-              <a:rPr>
+              <a:rPr sz="1800">
                 <a:latin typeface="Courier"/>
               </a:rPr>
               <a:t>We only sell burgers </a:t>
             </a:r>
             <a:r>
-              <a:rPr b="1">
+              <a:rPr sz="1800" b="1">
                 <a:solidFill>
                   <a:srgbClr val="007020"/>
                 </a:solidFill>
@@ -6187,13 +6199,13 @@
               <a:t>and</a:t>
             </a:r>
             <a:r>
-              <a:rPr>
+              <a:rPr sz="1800">
                 <a:latin typeface="Courier"/>
               </a:rPr>
               <a:t> salads.</a:t>
             </a:r>
             <a:r>
-              <a:rPr>
+              <a:rPr sz="1800">
                 <a:solidFill>
                   <a:srgbClr val="4070A0"/>
                 </a:solidFill>
@@ -6204,7 +6216,7 @@
             <a:br/>
             <a:br/>
             <a:r>
-              <a:rPr>
+              <a:rPr sz="1800">
                 <a:solidFill>
                   <a:srgbClr val="4070A0"/>
                 </a:solidFill>
@@ -6213,13 +6225,13 @@
               <a:t>print("</a:t>
             </a:r>
             <a:r>
-              <a:rPr>
+              <a:rPr sz="1800">
                 <a:latin typeface="Courier"/>
               </a:rPr>
               <a:t>You ordered:</a:t>
             </a:r>
             <a:r>
-              <a:rPr>
+              <a:rPr sz="1800">
                 <a:solidFill>
                   <a:srgbClr val="4070A0"/>
                 </a:solidFill>
@@ -6559,6 +6571,47 @@
       </p:grpSpPr>
       <p:sp>
         <p:nvSpPr>
+          <p:cNvPr id="2" name="Title 1"/>
+          <p:cNvSpPr>
+            <a:spLocks noGrp="1"/>
+          </p:cNvSpPr>
+          <p:nvPr>
+            <p:ph type="title"/>
+          </p:nvPr>
+        </p:nvSpPr>
+        <p:spPr/>
+        <p:txBody>
+          <a:bodyPr/>
+          <a:lstStyle/>
+          <a:p>
+            <a:pPr lvl="0" marL="0" indent="0">
+              <a:buNone/>
+            </a:pPr>
+            <a:r>
+              <a:rPr/>
+              <a:t>Working</a:t>
+            </a:r>
+            <a:r>
+              <a:rPr/>
+              <a:t> </a:t>
+            </a:r>
+            <a:r>
+              <a:rPr/>
+              <a:t>with</a:t>
+            </a:r>
+            <a:r>
+              <a:rPr/>
+              <a:t> </a:t>
+            </a:r>
+            <a:r>
+              <a:rPr/>
+              <a:t>Variables</a:t>
+            </a:r>
+          </a:p>
+        </p:txBody>
+      </p:sp>
+      <p:sp>
+        <p:nvSpPr>
           <p:cNvPr id="3" name="Content Placeholder 2"/>
           <p:cNvSpPr>
             <a:spLocks noGrp="1"/>
@@ -6571,18 +6624,6 @@
         <p:txBody>
           <a:bodyPr/>
           <a:lstStyle/>
-          <a:p>
-            <a:pPr lvl="0" marL="0" indent="0">
-              <a:spcBef>
-                <a:spcPts val="3000"/>
-              </a:spcBef>
-              <a:buNone/>
-            </a:pPr>
-            <a:r>
-              <a:rPr b="1"/>
-              <a:t>Working with Variables</a:t>
-            </a:r>
-          </a:p>
           <a:p>
             <a:pPr lvl="0" marL="0" indent="0">
               <a:buNone/>
@@ -6694,11 +6735,11 @@
           <a:bodyPr/>
           <a:lstStyle/>
           <a:p>
-            <a:pPr lvl="0" indent="0">
+            <a:pPr lvl="0" marL="1270000" indent="0">
               <a:buNone/>
             </a:pPr>
             <a:r>
-              <a:rPr i="1">
+              <a:rPr sz="1800" i="1">
                 <a:solidFill>
                   <a:srgbClr val="60A0B0"/>
                 </a:solidFill>
@@ -6708,13 +6749,13 @@
             </a:r>
             <a:br/>
             <a:r>
-              <a:rPr>
+              <a:rPr sz="1800">
                 <a:latin typeface="Courier"/>
               </a:rPr>
               <a:t>x </a:t>
             </a:r>
             <a:r>
-              <a:rPr>
+              <a:rPr sz="1800">
                 <a:solidFill>
                   <a:srgbClr val="666666"/>
                 </a:solidFill>
@@ -6723,13 +6764,13 @@
               <a:t>=</a:t>
             </a:r>
             <a:r>
-              <a:rPr>
-                <a:latin typeface="Courier"/>
-              </a:rPr>
-              <a:t> </a:t>
-            </a:r>
-            <a:r>
-              <a:rPr>
+              <a:rPr sz="1800">
+                <a:latin typeface="Courier"/>
+              </a:rPr>
+              <a:t> </a:t>
+            </a:r>
+            <a:r>
+              <a:rPr sz="1800">
                 <a:solidFill>
                   <a:srgbClr val="4070A0"/>
                 </a:solidFill>
@@ -6740,7 +6781,7 @@
             <a:br/>
             <a:br/>
             <a:r>
-              <a:rPr i="1">
+              <a:rPr sz="1800" i="1">
                 <a:solidFill>
                   <a:srgbClr val="60A0B0"/>
                 </a:solidFill>
@@ -6750,10 +6791,10 @@
             </a:r>
             <a:br/>
             <a:r>
-              <a:rPr>
-                <a:latin typeface="Courier"/>
-              </a:rPr>
-              <a:t>print(x)</a:t>
+              <a:rPr sz="1800">
+                <a:latin typeface="Courier"/>
+              </a:rPr>
+              <a:t>print(x) </a:t>
             </a:r>
           </a:p>
           <a:p>

--- a/modules/module01/slides.pptx
+++ b/modules/module01/slides.pptx
@@ -229,7 +229,7 @@
           <a:p>
             <a:fld id="{0F9C1CCF-B725-44A7-AA57-5E433BD85C9F}" type="datetimeFigureOut">
               <a:rPr lang="en-US" smtClean="0"/>
-              <a:t>2/17/2018</a:t>
+              <a:t>4/5/2019</a:t>
             </a:fld>
             <a:endParaRPr lang="en-US"/>
           </a:p>
@@ -1334,7 +1334,7 @@
           <a:p>
             <a:fld id="{241EB5C9-1307-BA42-ABA2-0BC069CD8E7F}" type="datetimeFigureOut">
               <a:rPr lang="en-US" smtClean="0"/>
-              <a:t>2/17/2018</a:t>
+              <a:t>4/5/2019</a:t>
             </a:fld>
             <a:endParaRPr lang="en-US"/>
           </a:p>
@@ -1504,7 +1504,7 @@
           <a:p>
             <a:fld id="{241EB5C9-1307-BA42-ABA2-0BC069CD8E7F}" type="datetimeFigureOut">
               <a:rPr lang="en-US" smtClean="0"/>
-              <a:t>2/17/2018</a:t>
+              <a:t>4/5/2019</a:t>
             </a:fld>
             <a:endParaRPr lang="en-US"/>
           </a:p>
@@ -1684,7 +1684,7 @@
           <a:p>
             <a:fld id="{241EB5C9-1307-BA42-ABA2-0BC069CD8E7F}" type="datetimeFigureOut">
               <a:rPr lang="en-US" smtClean="0"/>
-              <a:t>2/17/2018</a:t>
+              <a:t>4/5/2019</a:t>
             </a:fld>
             <a:endParaRPr lang="en-US"/>
           </a:p>
@@ -1854,7 +1854,7 @@
           <a:p>
             <a:fld id="{241EB5C9-1307-BA42-ABA2-0BC069CD8E7F}" type="datetimeFigureOut">
               <a:rPr lang="en-US" smtClean="0"/>
-              <a:t>2/17/2018</a:t>
+              <a:t>4/5/2019</a:t>
             </a:fld>
             <a:endParaRPr lang="en-US"/>
           </a:p>
@@ -2100,7 +2100,7 @@
           <a:p>
             <a:fld id="{241EB5C9-1307-BA42-ABA2-0BC069CD8E7F}" type="datetimeFigureOut">
               <a:rPr lang="en-US" smtClean="0"/>
-              <a:t>2/17/2018</a:t>
+              <a:t>4/5/2019</a:t>
             </a:fld>
             <a:endParaRPr lang="en-US"/>
           </a:p>
@@ -2388,7 +2388,7 @@
           <a:p>
             <a:fld id="{241EB5C9-1307-BA42-ABA2-0BC069CD8E7F}" type="datetimeFigureOut">
               <a:rPr lang="en-US" smtClean="0"/>
-              <a:t>2/17/2018</a:t>
+              <a:t>4/5/2019</a:t>
             </a:fld>
             <a:endParaRPr lang="en-US"/>
           </a:p>
@@ -2810,7 +2810,7 @@
           <a:p>
             <a:fld id="{241EB5C9-1307-BA42-ABA2-0BC069CD8E7F}" type="datetimeFigureOut">
               <a:rPr lang="en-US" smtClean="0"/>
-              <a:t>2/17/2018</a:t>
+              <a:t>4/5/2019</a:t>
             </a:fld>
             <a:endParaRPr lang="en-US"/>
           </a:p>
@@ -2928,7 +2928,7 @@
           <a:p>
             <a:fld id="{241EB5C9-1307-BA42-ABA2-0BC069CD8E7F}" type="datetimeFigureOut">
               <a:rPr lang="en-US" smtClean="0"/>
-              <a:t>2/17/2018</a:t>
+              <a:t>4/5/2019</a:t>
             </a:fld>
             <a:endParaRPr lang="en-US"/>
           </a:p>
@@ -3023,7 +3023,7 @@
           <a:p>
             <a:fld id="{241EB5C9-1307-BA42-ABA2-0BC069CD8E7F}" type="datetimeFigureOut">
               <a:rPr lang="en-US" smtClean="0"/>
-              <a:t>2/17/2018</a:t>
+              <a:t>4/5/2019</a:t>
             </a:fld>
             <a:endParaRPr lang="en-US"/>
           </a:p>
@@ -3300,7 +3300,7 @@
           <a:p>
             <a:fld id="{241EB5C9-1307-BA42-ABA2-0BC069CD8E7F}" type="datetimeFigureOut">
               <a:rPr lang="en-US" smtClean="0"/>
-              <a:t>2/17/2018</a:t>
+              <a:t>4/5/2019</a:t>
             </a:fld>
             <a:endParaRPr lang="en-US"/>
           </a:p>
@@ -3553,7 +3553,7 @@
           <a:p>
             <a:fld id="{241EB5C9-1307-BA42-ABA2-0BC069CD8E7F}" type="datetimeFigureOut">
               <a:rPr lang="en-US" smtClean="0"/>
-              <a:t>2/17/2018</a:t>
+              <a:t>4/5/2019</a:t>
             </a:fld>
             <a:endParaRPr lang="en-US"/>
           </a:p>
@@ -3766,7 +3766,7 @@
           <a:p>
             <a:fld id="{241EB5C9-1307-BA42-ABA2-0BC069CD8E7F}" type="datetimeFigureOut">
               <a:rPr lang="en-US" smtClean="0"/>
-              <a:t>2/17/2018</a:t>
+              <a:t>4/5/2019</a:t>
             </a:fld>
             <a:endParaRPr lang="en-US"/>
           </a:p>
@@ -4264,17 +4264,17 @@
           <a:bodyPr/>
           <a:lstStyle/>
           <a:p>
-            <a:pPr lvl="0" marL="1270000" indent="0">
+            <a:pPr lvl="0" indent="0">
               <a:buNone/>
             </a:pPr>
             <a:r>
-              <a:rPr sz="1800">
+              <a:rPr>
                 <a:latin typeface="Courier"/>
               </a:rPr>
               <a:t>x </a:t>
             </a:r>
             <a:r>
-              <a:rPr sz="1800">
+              <a:rPr>
                 <a:solidFill>
                   <a:srgbClr val="666666"/>
                 </a:solidFill>
@@ -4283,13 +4283,13 @@
               <a:t>=</a:t>
             </a:r>
             <a:r>
-              <a:rPr sz="1800">
-                <a:latin typeface="Courier"/>
-              </a:rPr>
-              <a:t> </a:t>
-            </a:r>
-            <a:r>
-              <a:rPr sz="1800">
+              <a:rPr>
+                <a:latin typeface="Courier"/>
+              </a:rPr>
+              <a:t> </a:t>
+            </a:r>
+            <a:r>
+              <a:rPr>
                 <a:solidFill>
                   <a:srgbClr val="40A070"/>
                 </a:solidFill>
@@ -4298,20 +4298,20 @@
               <a:t>2</a:t>
             </a:r>
             <a:r>
-              <a:rPr sz="1800">
+              <a:rPr>
                 <a:latin typeface="Courier"/>
               </a:rPr>
               <a:t> </a:t>
             </a:r>
             <a:br/>
             <a:r>
-              <a:rPr sz="1800">
+              <a:rPr>
                 <a:latin typeface="Courier"/>
               </a:rPr>
               <a:t>x </a:t>
             </a:r>
             <a:r>
-              <a:rPr sz="1800">
+              <a:rPr>
                 <a:solidFill>
                   <a:srgbClr val="666666"/>
                 </a:solidFill>
@@ -4320,7 +4320,7 @@
               <a:t>*</a:t>
             </a:r>
             <a:r>
-              <a:rPr sz="1800">
+              <a:rPr>
                 <a:latin typeface="Courier"/>
               </a:rPr>
               <a:t> x</a:t>
@@ -4374,17 +4374,17 @@
           <a:bodyPr/>
           <a:lstStyle/>
           <a:p>
-            <a:pPr lvl="0" marL="1270000" indent="0">
+            <a:pPr lvl="0" indent="0">
               <a:buNone/>
             </a:pPr>
             <a:r>
-              <a:rPr sz="1800">
+              <a:rPr>
                 <a:latin typeface="Courier"/>
               </a:rPr>
               <a:t>x </a:t>
             </a:r>
             <a:r>
-              <a:rPr sz="1800">
+              <a:rPr>
                 <a:solidFill>
                   <a:srgbClr val="666666"/>
                 </a:solidFill>
@@ -4393,13 +4393,13 @@
               <a:t>=</a:t>
             </a:r>
             <a:r>
-              <a:rPr sz="1800">
-                <a:latin typeface="Courier"/>
-              </a:rPr>
-              <a:t> </a:t>
-            </a:r>
-            <a:r>
-              <a:rPr sz="1800">
+              <a:rPr>
+                <a:latin typeface="Courier"/>
+              </a:rPr>
+              <a:t> </a:t>
+            </a:r>
+            <a:r>
+              <a:rPr>
                 <a:solidFill>
                   <a:srgbClr val="40A070"/>
                 </a:solidFill>
@@ -4409,13 +4409,13 @@
             </a:r>
             <a:br/>
             <a:r>
-              <a:rPr sz="1800">
+              <a:rPr>
                 <a:latin typeface="Courier"/>
               </a:rPr>
               <a:t>x </a:t>
             </a:r>
             <a:r>
-              <a:rPr sz="1800">
+              <a:rPr>
                 <a:solidFill>
                   <a:srgbClr val="666666"/>
                 </a:solidFill>
@@ -4424,13 +4424,13 @@
               <a:t>**</a:t>
             </a:r>
             <a:r>
-              <a:rPr sz="1800">
-                <a:latin typeface="Courier"/>
-              </a:rPr>
-              <a:t> </a:t>
-            </a:r>
-            <a:r>
-              <a:rPr sz="1800">
+              <a:rPr>
+                <a:latin typeface="Courier"/>
+              </a:rPr>
+              <a:t> </a:t>
+            </a:r>
+            <a:r>
+              <a:rPr>
                 <a:solidFill>
                   <a:srgbClr val="40A070"/>
                 </a:solidFill>
@@ -4487,17 +4487,17 @@
           <a:bodyPr/>
           <a:lstStyle/>
           <a:p>
-            <a:pPr lvl="0" marL="1270000" indent="0">
+            <a:pPr lvl="0" indent="0">
               <a:buNone/>
             </a:pPr>
             <a:r>
-              <a:rPr sz="1800">
+              <a:rPr>
                 <a:latin typeface="Courier"/>
               </a:rPr>
               <a:t>x </a:t>
             </a:r>
             <a:r>
-              <a:rPr sz="1800">
+              <a:rPr>
                 <a:solidFill>
                   <a:srgbClr val="666666"/>
                 </a:solidFill>
@@ -4506,13 +4506,13 @@
               <a:t>=</a:t>
             </a:r>
             <a:r>
-              <a:rPr sz="1800">
-                <a:latin typeface="Courier"/>
-              </a:rPr>
-              <a:t> </a:t>
-            </a:r>
-            <a:r>
-              <a:rPr sz="1800">
+              <a:rPr>
+                <a:latin typeface="Courier"/>
+              </a:rPr>
+              <a:t> </a:t>
+            </a:r>
+            <a:r>
+              <a:rPr>
                 <a:solidFill>
                   <a:srgbClr val="40A070"/>
                 </a:solidFill>
@@ -4521,20 +4521,20 @@
               <a:t>2</a:t>
             </a:r>
             <a:r>
-              <a:rPr sz="1800">
+              <a:rPr>
                 <a:latin typeface="Courier"/>
               </a:rPr>
               <a:t> </a:t>
             </a:r>
             <a:br/>
             <a:r>
-              <a:rPr sz="1800">
+              <a:rPr>
                 <a:latin typeface="Courier"/>
               </a:rPr>
               <a:t>y </a:t>
             </a:r>
             <a:r>
-              <a:rPr sz="1800">
+              <a:rPr>
                 <a:solidFill>
                   <a:srgbClr val="666666"/>
                 </a:solidFill>
@@ -4543,13 +4543,13 @@
               <a:t>=</a:t>
             </a:r>
             <a:r>
-              <a:rPr sz="1800">
-                <a:latin typeface="Courier"/>
-              </a:rPr>
-              <a:t> </a:t>
-            </a:r>
-            <a:r>
-              <a:rPr sz="1800">
+              <a:rPr>
+                <a:latin typeface="Courier"/>
+              </a:rPr>
+              <a:t> </a:t>
+            </a:r>
+            <a:r>
+              <a:rPr>
                 <a:solidFill>
                   <a:srgbClr val="40A070"/>
                 </a:solidFill>
@@ -4559,13 +4559,13 @@
             </a:r>
             <a:br/>
             <a:r>
-              <a:rPr sz="1800">
+              <a:rPr>
                 <a:latin typeface="Courier"/>
               </a:rPr>
               <a:t>x </a:t>
             </a:r>
             <a:r>
-              <a:rPr sz="1800">
+              <a:rPr>
                 <a:solidFill>
                   <a:srgbClr val="666666"/>
                 </a:solidFill>
@@ -4574,7 +4574,7 @@
               <a:t>==</a:t>
             </a:r>
             <a:r>
-              <a:rPr sz="1800">
+              <a:rPr>
                 <a:latin typeface="Courier"/>
               </a:rPr>
               <a:t> y</a:t>
@@ -4628,17 +4628,17 @@
           <a:bodyPr/>
           <a:lstStyle/>
           <a:p>
-            <a:pPr lvl="0" marL="1270000" indent="0">
+            <a:pPr lvl="0" indent="0">
               <a:buNone/>
             </a:pPr>
             <a:r>
-              <a:rPr sz="1800">
+              <a:rPr>
                 <a:latin typeface="Courier"/>
               </a:rPr>
               <a:t>x </a:t>
             </a:r>
             <a:r>
-              <a:rPr sz="1800">
+              <a:rPr>
                 <a:solidFill>
                   <a:srgbClr val="666666"/>
                 </a:solidFill>
@@ -4647,13 +4647,13 @@
               <a:t>=</a:t>
             </a:r>
             <a:r>
-              <a:rPr sz="1800">
-                <a:latin typeface="Courier"/>
-              </a:rPr>
-              <a:t> </a:t>
-            </a:r>
-            <a:r>
-              <a:rPr sz="1800">
+              <a:rPr>
+                <a:latin typeface="Courier"/>
+              </a:rPr>
+              <a:t> </a:t>
+            </a:r>
+            <a:r>
+              <a:rPr>
                 <a:solidFill>
                   <a:srgbClr val="40A070"/>
                 </a:solidFill>
@@ -4663,13 +4663,13 @@
             </a:r>
             <a:br/>
             <a:r>
-              <a:rPr sz="1800">
+              <a:rPr>
                 <a:latin typeface="Courier"/>
               </a:rPr>
               <a:t>y </a:t>
             </a:r>
             <a:r>
-              <a:rPr sz="1800">
+              <a:rPr>
                 <a:solidFill>
                   <a:srgbClr val="666666"/>
                 </a:solidFill>
@@ -4678,13 +4678,13 @@
               <a:t>=</a:t>
             </a:r>
             <a:r>
-              <a:rPr sz="1800">
-                <a:latin typeface="Courier"/>
-              </a:rPr>
-              <a:t> </a:t>
-            </a:r>
-            <a:r>
-              <a:rPr sz="1800">
+              <a:rPr>
+                <a:latin typeface="Courier"/>
+              </a:rPr>
+              <a:t> </a:t>
+            </a:r>
+            <a:r>
+              <a:rPr>
                 <a:solidFill>
                   <a:srgbClr val="40A070"/>
                 </a:solidFill>
@@ -4694,13 +4694,13 @@
             </a:r>
             <a:br/>
             <a:r>
-              <a:rPr sz="1800">
+              <a:rPr>
                 <a:latin typeface="Courier"/>
               </a:rPr>
               <a:t>x </a:t>
             </a:r>
             <a:r>
-              <a:rPr sz="1800">
+              <a:rPr>
                 <a:solidFill>
                   <a:srgbClr val="666666"/>
                 </a:solidFill>
@@ -4709,7 +4709,7 @@
               <a:t>-</a:t>
             </a:r>
             <a:r>
-              <a:rPr sz="1800">
+              <a:rPr>
                 <a:latin typeface="Courier"/>
               </a:rPr>
               <a:t> y</a:t>
@@ -4763,17 +4763,17 @@
           <a:bodyPr/>
           <a:lstStyle/>
           <a:p>
-            <a:pPr lvl="0" marL="1270000" indent="0">
+            <a:pPr lvl="0" indent="0">
               <a:buNone/>
             </a:pPr>
             <a:r>
-              <a:rPr sz="1800">
+              <a:rPr>
                 <a:latin typeface="Courier"/>
               </a:rPr>
               <a:t>x </a:t>
             </a:r>
             <a:r>
-              <a:rPr sz="1800">
+              <a:rPr>
                 <a:solidFill>
                   <a:srgbClr val="666666"/>
                 </a:solidFill>
@@ -4782,13 +4782,13 @@
               <a:t>=</a:t>
             </a:r>
             <a:r>
-              <a:rPr sz="1800">
-                <a:latin typeface="Courier"/>
-              </a:rPr>
-              <a:t> </a:t>
-            </a:r>
-            <a:r>
-              <a:rPr sz="1800">
+              <a:rPr>
+                <a:latin typeface="Courier"/>
+              </a:rPr>
+              <a:t> </a:t>
+            </a:r>
+            <a:r>
+              <a:rPr>
                 <a:solidFill>
                   <a:srgbClr val="40A070"/>
                 </a:solidFill>
@@ -4798,13 +4798,13 @@
             </a:r>
             <a:br/>
             <a:r>
-              <a:rPr sz="1800">
+              <a:rPr>
                 <a:latin typeface="Courier"/>
               </a:rPr>
               <a:t>y </a:t>
             </a:r>
             <a:r>
-              <a:rPr sz="1800">
+              <a:rPr>
                 <a:solidFill>
                   <a:srgbClr val="666666"/>
                 </a:solidFill>
@@ -4813,13 +4813,13 @@
               <a:t>=</a:t>
             </a:r>
             <a:r>
-              <a:rPr sz="1800">
-                <a:latin typeface="Courier"/>
-              </a:rPr>
-              <a:t> </a:t>
-            </a:r>
-            <a:r>
-              <a:rPr sz="1800">
+              <a:rPr>
+                <a:latin typeface="Courier"/>
+              </a:rPr>
+              <a:t> </a:t>
+            </a:r>
+            <a:r>
+              <a:rPr>
                 <a:solidFill>
                   <a:srgbClr val="40A070"/>
                 </a:solidFill>
@@ -4829,13 +4829,13 @@
             </a:r>
             <a:br/>
             <a:r>
-              <a:rPr sz="1800">
+              <a:rPr>
                 <a:latin typeface="Courier"/>
               </a:rPr>
               <a:t>y </a:t>
             </a:r>
             <a:r>
-              <a:rPr sz="1800">
+              <a:rPr>
                 <a:solidFill>
                   <a:srgbClr val="666666"/>
                 </a:solidFill>
@@ -4844,13 +4844,13 @@
               <a:t>-</a:t>
             </a:r>
             <a:r>
-              <a:rPr sz="1800">
+              <a:rPr>
                 <a:latin typeface="Courier"/>
               </a:rPr>
               <a:t> x </a:t>
             </a:r>
             <a:r>
-              <a:rPr sz="1800">
+              <a:rPr>
                 <a:solidFill>
                   <a:srgbClr val="666666"/>
                 </a:solidFill>
@@ -4859,13 +4859,13 @@
               <a:t>+</a:t>
             </a:r>
             <a:r>
-              <a:rPr sz="1800">
-                <a:latin typeface="Courier"/>
-              </a:rPr>
-              <a:t> </a:t>
-            </a:r>
-            <a:r>
-              <a:rPr sz="1800">
+              <a:rPr>
+                <a:latin typeface="Courier"/>
+              </a:rPr>
+              <a:t> </a:t>
+            </a:r>
+            <a:r>
+              <a:rPr>
                 <a:solidFill>
                   <a:srgbClr val="40A070"/>
                 </a:solidFill>
@@ -4922,17 +4922,17 @@
           <a:bodyPr/>
           <a:lstStyle/>
           <a:p>
-            <a:pPr lvl="0" marL="1270000" indent="0">
+            <a:pPr lvl="0" indent="0">
               <a:buNone/>
             </a:pPr>
             <a:r>
-              <a:rPr sz="1800">
+              <a:rPr>
                 <a:latin typeface="Courier"/>
               </a:rPr>
               <a:t>x </a:t>
             </a:r>
             <a:r>
-              <a:rPr sz="1800">
+              <a:rPr>
                 <a:solidFill>
                   <a:srgbClr val="666666"/>
                 </a:solidFill>
@@ -4941,13 +4941,13 @@
               <a:t>=</a:t>
             </a:r>
             <a:r>
-              <a:rPr sz="1800">
-                <a:latin typeface="Courier"/>
-              </a:rPr>
-              <a:t> </a:t>
-            </a:r>
-            <a:r>
-              <a:rPr sz="1800">
+              <a:rPr>
+                <a:latin typeface="Courier"/>
+              </a:rPr>
+              <a:t> </a:t>
+            </a:r>
+            <a:r>
+              <a:rPr>
                 <a:solidFill>
                   <a:srgbClr val="40A070"/>
                 </a:solidFill>
@@ -4957,7 +4957,7 @@
             </a:r>
             <a:br/>
             <a:r>
-              <a:rPr sz="1800">
+              <a:rPr>
                 <a:solidFill>
                   <a:srgbClr val="40A070"/>
                 </a:solidFill>
@@ -4966,13 +4966,13 @@
               <a:t>2</a:t>
             </a:r>
             <a:r>
-              <a:rPr sz="1800">
-                <a:latin typeface="Courier"/>
-              </a:rPr>
-              <a:t> </a:t>
-            </a:r>
-            <a:r>
-              <a:rPr sz="1800">
+              <a:rPr>
+                <a:latin typeface="Courier"/>
+              </a:rPr>
+              <a:t> </a:t>
+            </a:r>
+            <a:r>
+              <a:rPr>
                 <a:solidFill>
                   <a:srgbClr val="666666"/>
                 </a:solidFill>
@@ -4981,13 +4981,13 @@
               <a:t>+</a:t>
             </a:r>
             <a:r>
-              <a:rPr sz="1800">
+              <a:rPr>
                 <a:latin typeface="Courier"/>
               </a:rPr>
               <a:t> x </a:t>
             </a:r>
             <a:r>
-              <a:rPr sz="1800">
+              <a:rPr>
                 <a:solidFill>
                   <a:srgbClr val="666666"/>
                 </a:solidFill>
@@ -4996,13 +4996,13 @@
               <a:t>**</a:t>
             </a:r>
             <a:r>
-              <a:rPr sz="1800">
-                <a:latin typeface="Courier"/>
-              </a:rPr>
-              <a:t> </a:t>
-            </a:r>
-            <a:r>
-              <a:rPr sz="1800">
+              <a:rPr>
+                <a:latin typeface="Courier"/>
+              </a:rPr>
+              <a:t> </a:t>
+            </a:r>
+            <a:r>
+              <a:rPr>
                 <a:solidFill>
                   <a:srgbClr val="40A070"/>
                 </a:solidFill>
@@ -5076,11 +5076,11 @@
             </a:r>
           </a:p>
           <a:p>
-            <a:pPr lvl="0" marL="1270000" indent="0">
+            <a:pPr lvl="0" indent="0">
               <a:buNone/>
             </a:pPr>
             <a:r>
-              <a:rPr sz="1800" i="1">
+              <a:rPr i="1">
                 <a:solidFill>
                   <a:srgbClr val="60A0B0"/>
                 </a:solidFill>
@@ -5089,13 +5089,13 @@
               <a:t>"u"</a:t>
             </a:r>
             <a:r>
-              <a:rPr sz="1800">
-                <a:latin typeface="Courier"/>
-              </a:rPr>
-              <a:t> </a:t>
-            </a:r>
-            <a:r>
-              <a:rPr sz="1800">
+              <a:rPr>
+                <a:latin typeface="Courier"/>
+              </a:rPr>
+              <a:t> </a:t>
+            </a:r>
+            <a:r>
+              <a:rPr>
                 <a:solidFill>
                   <a:srgbClr val="666666"/>
                 </a:solidFill>
@@ -5104,13 +5104,13 @@
               <a:t>+</a:t>
             </a:r>
             <a:r>
-              <a:rPr sz="1800">
-                <a:latin typeface="Courier"/>
-              </a:rPr>
-              <a:t> </a:t>
-            </a:r>
-            <a:r>
-              <a:rPr sz="1800">
+              <a:rPr>
+                <a:latin typeface="Courier"/>
+              </a:rPr>
+              <a:t> </a:t>
+            </a:r>
+            <a:r>
+              <a:rPr>
                 <a:solidFill>
                   <a:srgbClr val="4070A0"/>
                 </a:solidFill>
@@ -5119,13 +5119,13 @@
               <a:t>"m"</a:t>
             </a:r>
             <a:r>
-              <a:rPr sz="1800">
-                <a:latin typeface="Courier"/>
-              </a:rPr>
-              <a:t> </a:t>
-            </a:r>
-            <a:r>
-              <a:rPr sz="1800">
+              <a:rPr>
+                <a:latin typeface="Courier"/>
+              </a:rPr>
+              <a:t> </a:t>
+            </a:r>
+            <a:r>
+              <a:rPr>
                 <a:solidFill>
                   <a:srgbClr val="666666"/>
                 </a:solidFill>
@@ -5134,13 +5134,13 @@
               <a:t>+</a:t>
             </a:r>
             <a:r>
-              <a:rPr sz="1800">
-                <a:latin typeface="Courier"/>
-              </a:rPr>
-              <a:t> </a:t>
-            </a:r>
-            <a:r>
-              <a:rPr sz="1800">
+              <a:rPr>
+                <a:latin typeface="Courier"/>
+              </a:rPr>
+              <a:t> </a:t>
+            </a:r>
+            <a:r>
+              <a:rPr>
                 <a:solidFill>
                   <a:srgbClr val="4070A0"/>
                 </a:solidFill>
@@ -5159,11 +5159,11 @@
             </a:r>
           </a:p>
           <a:p>
-            <a:pPr lvl="0" marL="1270000" indent="0">
+            <a:pPr lvl="0" indent="0">
               <a:buNone/>
             </a:pPr>
             <a:r>
-              <a:rPr sz="1800" i="1">
+              <a:rPr i="1">
                 <a:solidFill>
                   <a:srgbClr val="60A0B0"/>
                 </a:solidFill>
@@ -5172,13 +5172,13 @@
               <a:t>"umd "</a:t>
             </a:r>
             <a:r>
-              <a:rPr sz="1800">
-                <a:latin typeface="Courier"/>
-              </a:rPr>
-              <a:t> </a:t>
-            </a:r>
-            <a:r>
-              <a:rPr sz="1800">
+              <a:rPr>
+                <a:latin typeface="Courier"/>
+              </a:rPr>
+              <a:t> </a:t>
+            </a:r>
+            <a:r>
+              <a:rPr>
                 <a:solidFill>
                   <a:srgbClr val="666666"/>
                 </a:solidFill>
@@ -5187,13 +5187,13 @@
               <a:t>*</a:t>
             </a:r>
             <a:r>
-              <a:rPr sz="1800">
-                <a:latin typeface="Courier"/>
-              </a:rPr>
-              <a:t> </a:t>
-            </a:r>
-            <a:r>
-              <a:rPr sz="1800">
+              <a:rPr>
+                <a:latin typeface="Courier"/>
+              </a:rPr>
+              <a:t> </a:t>
+            </a:r>
+            <a:r>
+              <a:rPr>
                 <a:solidFill>
                   <a:srgbClr val="40A070"/>
                 </a:solidFill>
@@ -5352,17 +5352,17 @@
             </a:r>
           </a:p>
           <a:p>
-            <a:pPr lvl="0" marL="1270000" indent="0">
+            <a:pPr lvl="0" indent="0">
               <a:buNone/>
             </a:pPr>
             <a:r>
-              <a:rPr sz="1800">
+              <a:rPr>
                 <a:latin typeface="Courier"/>
               </a:rPr>
               <a:t>username </a:t>
             </a:r>
             <a:r>
-              <a:rPr sz="1800">
+              <a:rPr>
                 <a:solidFill>
                   <a:srgbClr val="666666"/>
                 </a:solidFill>
@@ -5371,13 +5371,13 @@
               <a:t>=</a:t>
             </a:r>
             <a:r>
-              <a:rPr sz="1800">
+              <a:rPr>
                 <a:latin typeface="Courier"/>
               </a:rPr>
               <a:t> input(</a:t>
             </a:r>
             <a:r>
-              <a:rPr sz="1800">
+              <a:rPr>
                 <a:solidFill>
                   <a:srgbClr val="4070A0"/>
                 </a:solidFill>
@@ -5386,20 +5386,20 @@
               <a:t>"Enter your name: "</a:t>
             </a:r>
             <a:r>
-              <a:rPr sz="1800">
+              <a:rPr>
                 <a:latin typeface="Courier"/>
               </a:rPr>
               <a:t>)</a:t>
             </a:r>
             <a:br/>
             <a:r>
-              <a:rPr sz="1800">
+              <a:rPr>
                 <a:latin typeface="Courier"/>
               </a:rPr>
               <a:t>print(</a:t>
             </a:r>
             <a:r>
-              <a:rPr sz="1800">
+              <a:rPr>
                 <a:solidFill>
                   <a:srgbClr val="4070A0"/>
                 </a:solidFill>
@@ -5408,7 +5408,7 @@
               <a:t>"Hello"</a:t>
             </a:r>
             <a:r>
-              <a:rPr sz="1800">
+              <a:rPr>
                 <a:latin typeface="Courier"/>
               </a:rPr>
               <a:t>, username)</a:t>
@@ -5762,11 +5762,11 @@
           <a:bodyPr/>
           <a:lstStyle/>
           <a:p>
-            <a:pPr lvl="0" marL="1270000" indent="0">
+            <a:pPr lvl="0" indent="0">
               <a:buNone/>
             </a:pPr>
             <a:r>
-              <a:rPr sz="1800" b="1">
+              <a:rPr b="1">
                 <a:solidFill>
                   <a:srgbClr val="007020"/>
                 </a:solidFill>
@@ -5775,13 +5775,13 @@
               <a:t>if</a:t>
             </a:r>
             <a:r>
-              <a:rPr sz="1800">
-                <a:latin typeface="Courier"/>
-              </a:rPr>
-              <a:t> </a:t>
-            </a:r>
-            <a:r>
-              <a:rPr sz="1800">
+              <a:rPr>
+                <a:latin typeface="Courier"/>
+              </a:rPr>
+              <a:t> </a:t>
+            </a:r>
+            <a:r>
+              <a:rPr>
                 <a:solidFill>
                   <a:srgbClr val="40A070"/>
                 </a:solidFill>
@@ -5790,13 +5790,13 @@
               <a:t>1</a:t>
             </a:r>
             <a:r>
-              <a:rPr sz="1800">
-                <a:latin typeface="Courier"/>
-              </a:rPr>
-              <a:t> </a:t>
-            </a:r>
-            <a:r>
-              <a:rPr sz="1800">
+              <a:rPr>
+                <a:latin typeface="Courier"/>
+              </a:rPr>
+              <a:t> </a:t>
+            </a:r>
+            <a:r>
+              <a:rPr>
                 <a:solidFill>
                   <a:srgbClr val="666666"/>
                 </a:solidFill>
@@ -5805,13 +5805,13 @@
               <a:t>&gt;</a:t>
             </a:r>
             <a:r>
-              <a:rPr sz="1800">
-                <a:latin typeface="Courier"/>
-              </a:rPr>
-              <a:t> </a:t>
-            </a:r>
-            <a:r>
-              <a:rPr sz="1800">
+              <a:rPr>
+                <a:latin typeface="Courier"/>
+              </a:rPr>
+              <a:t> </a:t>
+            </a:r>
+            <a:r>
+              <a:rPr>
                 <a:solidFill>
                   <a:srgbClr val="40A070"/>
                 </a:solidFill>
@@ -5820,20 +5820,20 @@
               <a:t>0</a:t>
             </a:r>
             <a:r>
-              <a:rPr sz="1800">
+              <a:rPr>
                 <a:latin typeface="Courier"/>
               </a:rPr>
               <a:t>:</a:t>
             </a:r>
             <a:br/>
             <a:r>
-              <a:rPr sz="1800">
+              <a:rPr>
                 <a:latin typeface="Courier"/>
               </a:rPr>
               <a:t>    print(</a:t>
             </a:r>
             <a:r>
-              <a:rPr sz="1800">
+              <a:rPr>
                 <a:solidFill>
                   <a:srgbClr val="4070A0"/>
                 </a:solidFill>
@@ -5842,14 +5842,14 @@
               <a:t>"yes"</a:t>
             </a:r>
             <a:r>
-              <a:rPr sz="1800">
+              <a:rPr>
                 <a:latin typeface="Courier"/>
               </a:rPr>
               <a:t>)</a:t>
             </a:r>
             <a:br/>
             <a:r>
-              <a:rPr sz="1800" b="1">
+              <a:rPr b="1">
                 <a:solidFill>
                   <a:srgbClr val="007020"/>
                 </a:solidFill>
@@ -5858,20 +5858,20 @@
               <a:t>else</a:t>
             </a:r>
             <a:r>
-              <a:rPr sz="1800">
+              <a:rPr>
                 <a:latin typeface="Courier"/>
               </a:rPr>
               <a:t>:</a:t>
             </a:r>
             <a:br/>
             <a:r>
-              <a:rPr sz="1800">
+              <a:rPr>
                 <a:latin typeface="Courier"/>
               </a:rPr>
               <a:t>    print(</a:t>
             </a:r>
             <a:r>
-              <a:rPr sz="1800">
+              <a:rPr>
                 <a:solidFill>
                   <a:srgbClr val="4070A0"/>
                 </a:solidFill>
@@ -5880,7 +5880,7 @@
               <a:t>"no"</a:t>
             </a:r>
             <a:r>
-              <a:rPr sz="1800">
+              <a:rPr>
                 <a:latin typeface="Courier"/>
               </a:rPr>
               <a:t>)</a:t>
@@ -5975,17 +5975,17 @@
           <a:bodyPr/>
           <a:lstStyle/>
           <a:p>
-            <a:pPr lvl="0" marL="1270000" indent="0">
+            <a:pPr lvl="0" indent="0">
               <a:buNone/>
             </a:pPr>
             <a:r>
-              <a:rPr sz="1800">
+              <a:rPr>
                 <a:latin typeface="Courier"/>
               </a:rPr>
               <a:t>order </a:t>
             </a:r>
             <a:r>
-              <a:rPr sz="1800">
+              <a:rPr>
                 <a:solidFill>
                   <a:srgbClr val="666666"/>
                 </a:solidFill>
@@ -5994,13 +5994,13 @@
               <a:t>=</a:t>
             </a:r>
             <a:r>
-              <a:rPr sz="1800">
+              <a:rPr>
                 <a:latin typeface="Courier"/>
               </a:rPr>
               <a:t> input(</a:t>
             </a:r>
             <a:r>
-              <a:rPr sz="1800">
+              <a:rPr>
                 <a:solidFill>
                   <a:srgbClr val="4070A0"/>
                 </a:solidFill>
@@ -6009,7 +6009,7 @@
               <a:t>"What can I get you? "</a:t>
             </a:r>
             <a:r>
-              <a:rPr sz="1800">
+              <a:rPr>
                 <a:latin typeface="Courier"/>
               </a:rPr>
               <a:t>)</a:t>
@@ -6017,7 +6017,7 @@
             <a:br/>
             <a:br/>
             <a:r>
-              <a:rPr sz="1800" b="1">
+              <a:rPr b="1">
                 <a:solidFill>
                   <a:srgbClr val="007020"/>
                 </a:solidFill>
@@ -6026,13 +6026,13 @@
               <a:t>if</a:t>
             </a:r>
             <a:r>
-              <a:rPr sz="1800">
+              <a:rPr>
                 <a:latin typeface="Courier"/>
               </a:rPr>
               <a:t> order </a:t>
             </a:r>
             <a:r>
-              <a:rPr sz="1800">
+              <a:rPr>
                 <a:solidFill>
                   <a:srgbClr val="666666"/>
                 </a:solidFill>
@@ -6041,13 +6041,13 @@
               <a:t>==</a:t>
             </a:r>
             <a:r>
-              <a:rPr sz="1800">
-                <a:latin typeface="Courier"/>
-              </a:rPr>
-              <a:t> </a:t>
-            </a:r>
-            <a:r>
-              <a:rPr sz="1800">
+              <a:rPr>
+                <a:latin typeface="Courier"/>
+              </a:rPr>
+              <a:t> </a:t>
+            </a:r>
+            <a:r>
+              <a:rPr>
                 <a:solidFill>
                   <a:srgbClr val="4070A0"/>
                 </a:solidFill>
@@ -6056,20 +6056,20 @@
               <a:t>"burger"</a:t>
             </a:r>
             <a:r>
-              <a:rPr sz="1800">
+              <a:rPr>
                 <a:latin typeface="Courier"/>
               </a:rPr>
               <a:t>:</a:t>
             </a:r>
             <a:br/>
             <a:r>
-              <a:rPr sz="1800">
+              <a:rPr>
                 <a:latin typeface="Courier"/>
               </a:rPr>
               <a:t>    side </a:t>
             </a:r>
             <a:r>
-              <a:rPr sz="1800">
+              <a:rPr>
                 <a:solidFill>
                   <a:srgbClr val="666666"/>
                 </a:solidFill>
@@ -6078,13 +6078,13 @@
               <a:t>=</a:t>
             </a:r>
             <a:r>
-              <a:rPr sz="1800">
+              <a:rPr>
                 <a:latin typeface="Courier"/>
               </a:rPr>
               <a:t> input(</a:t>
             </a:r>
             <a:r>
-              <a:rPr sz="1800">
+              <a:rPr>
                 <a:solidFill>
                   <a:srgbClr val="4070A0"/>
                 </a:solidFill>
@@ -6093,14 +6093,14 @@
               <a:t>"Would you like fries? "</a:t>
             </a:r>
             <a:r>
-              <a:rPr sz="1800">
+              <a:rPr>
                 <a:latin typeface="Courier"/>
               </a:rPr>
               <a:t>)</a:t>
             </a:r>
             <a:br/>
             <a:r>
-              <a:rPr sz="1800" b="1">
+              <a:rPr b="1">
                 <a:solidFill>
                   <a:srgbClr val="007020"/>
                 </a:solidFill>
@@ -6109,13 +6109,13 @@
               <a:t>elif</a:t>
             </a:r>
             <a:r>
-              <a:rPr sz="1800">
+              <a:rPr>
                 <a:latin typeface="Courier"/>
               </a:rPr>
               <a:t> order </a:t>
             </a:r>
             <a:r>
-              <a:rPr sz="1800">
+              <a:rPr>
                 <a:solidFill>
                   <a:srgbClr val="666666"/>
                 </a:solidFill>
@@ -6124,13 +6124,13 @@
               <a:t>==</a:t>
             </a:r>
             <a:r>
-              <a:rPr sz="1800">
-                <a:latin typeface="Courier"/>
-              </a:rPr>
-              <a:t> </a:t>
-            </a:r>
-            <a:r>
-              <a:rPr sz="1800">
+              <a:rPr>
+                <a:latin typeface="Courier"/>
+              </a:rPr>
+              <a:t> </a:t>
+            </a:r>
+            <a:r>
+              <a:rPr>
                 <a:solidFill>
                   <a:srgbClr val="4070A0"/>
                 </a:solidFill>
@@ -6140,7 +6140,7 @@
             </a:r>
             <a:br/>
             <a:r>
-              <a:rPr sz="1800">
+              <a:rPr>
                 <a:solidFill>
                   <a:srgbClr val="4070A0"/>
                 </a:solidFill>
@@ -6149,13 +6149,13 @@
               <a:t>    side = input("</a:t>
             </a:r>
             <a:r>
-              <a:rPr sz="1800">
+              <a:rPr>
                 <a:latin typeface="Courier"/>
               </a:rPr>
               <a:t>What kind of dressing? </a:t>
             </a:r>
             <a:r>
-              <a:rPr sz="1800">
+              <a:rPr>
                 <a:solidFill>
                   <a:srgbClr val="4070A0"/>
                 </a:solidFill>
@@ -6165,7 +6165,7 @@
             </a:r>
             <a:br/>
             <a:r>
-              <a:rPr sz="1800">
+              <a:rPr>
                 <a:solidFill>
                   <a:srgbClr val="4070A0"/>
                 </a:solidFill>
@@ -6175,7 +6175,7 @@
             </a:r>
             <a:br/>
             <a:r>
-              <a:rPr sz="1800">
+              <a:rPr>
                 <a:solidFill>
                   <a:srgbClr val="4070A0"/>
                 </a:solidFill>
@@ -6184,13 +6184,13 @@
               <a:t>    print("</a:t>
             </a:r>
             <a:r>
-              <a:rPr sz="1800">
+              <a:rPr>
                 <a:latin typeface="Courier"/>
               </a:rPr>
               <a:t>We only sell burgers </a:t>
             </a:r>
             <a:r>
-              <a:rPr sz="1800" b="1">
+              <a:rPr b="1">
                 <a:solidFill>
                   <a:srgbClr val="007020"/>
                 </a:solidFill>
@@ -6199,13 +6199,13 @@
               <a:t>and</a:t>
             </a:r>
             <a:r>
-              <a:rPr sz="1800">
+              <a:rPr>
                 <a:latin typeface="Courier"/>
               </a:rPr>
               <a:t> salads.</a:t>
             </a:r>
             <a:r>
-              <a:rPr sz="1800">
+              <a:rPr>
                 <a:solidFill>
                   <a:srgbClr val="4070A0"/>
                 </a:solidFill>
@@ -6216,7 +6216,7 @@
             <a:br/>
             <a:br/>
             <a:r>
-              <a:rPr sz="1800">
+              <a:rPr>
                 <a:solidFill>
                   <a:srgbClr val="4070A0"/>
                 </a:solidFill>
@@ -6225,13 +6225,13 @@
               <a:t>print("</a:t>
             </a:r>
             <a:r>
-              <a:rPr sz="1800">
+              <a:rPr>
                 <a:latin typeface="Courier"/>
               </a:rPr>
               <a:t>You ordered:</a:t>
             </a:r>
             <a:r>
-              <a:rPr sz="1800">
+              <a:rPr>
                 <a:solidFill>
                   <a:srgbClr val="4070A0"/>
                 </a:solidFill>
@@ -6735,11 +6735,11 @@
           <a:bodyPr/>
           <a:lstStyle/>
           <a:p>
-            <a:pPr lvl="0" marL="1270000" indent="0">
+            <a:pPr lvl="0" indent="0">
               <a:buNone/>
             </a:pPr>
             <a:r>
-              <a:rPr sz="1800" i="1">
+              <a:rPr i="1">
                 <a:solidFill>
                   <a:srgbClr val="60A0B0"/>
                 </a:solidFill>
@@ -6749,13 +6749,13 @@
             </a:r>
             <a:br/>
             <a:r>
-              <a:rPr sz="1800">
+              <a:rPr>
                 <a:latin typeface="Courier"/>
               </a:rPr>
               <a:t>x </a:t>
             </a:r>
             <a:r>
-              <a:rPr sz="1800">
+              <a:rPr>
                 <a:solidFill>
                   <a:srgbClr val="666666"/>
                 </a:solidFill>
@@ -6764,13 +6764,13 @@
               <a:t>=</a:t>
             </a:r>
             <a:r>
-              <a:rPr sz="1800">
-                <a:latin typeface="Courier"/>
-              </a:rPr>
-              <a:t> </a:t>
-            </a:r>
-            <a:r>
-              <a:rPr sz="1800">
+              <a:rPr>
+                <a:latin typeface="Courier"/>
+              </a:rPr>
+              <a:t> </a:t>
+            </a:r>
+            <a:r>
+              <a:rPr>
                 <a:solidFill>
                   <a:srgbClr val="4070A0"/>
                 </a:solidFill>
@@ -6781,7 +6781,7 @@
             <a:br/>
             <a:br/>
             <a:r>
-              <a:rPr sz="1800" i="1">
+              <a:rPr i="1">
                 <a:solidFill>
                   <a:srgbClr val="60A0B0"/>
                 </a:solidFill>
@@ -6791,7 +6791,7 @@
             </a:r>
             <a:br/>
             <a:r>
-              <a:rPr sz="1800">
+              <a:rPr>
                 <a:latin typeface="Courier"/>
               </a:rPr>
               <a:t>print(x) </a:t>

--- a/modules/module01/slides.pptx
+++ b/modules/module01/slides.pptx
@@ -4297,12 +4297,6 @@
               </a:rPr>
               <a:t>2</a:t>
             </a:r>
-            <a:r>
-              <a:rPr>
-                <a:latin typeface="Courier"/>
-              </a:rPr>
-              <a:t> </a:t>
-            </a:r>
             <a:br/>
             <a:r>
               <a:rPr>
@@ -4520,12 +4514,6 @@
               </a:rPr>
               <a:t>2</a:t>
             </a:r>
-            <a:r>
-              <a:rPr>
-                <a:latin typeface="Courier"/>
-              </a:rPr>
-              <a:t> </a:t>
-            </a:r>
             <a:br/>
             <a:r>
               <a:rPr>
@@ -6571,12 +6559,12 @@
       </p:grpSpPr>
       <p:sp>
         <p:nvSpPr>
-          <p:cNvPr id="2" name="Title 1"/>
-          <p:cNvSpPr>
-            <a:spLocks noGrp="1"/>
-          </p:cNvSpPr>
-          <p:nvPr>
-            <p:ph type="title"/>
+          <p:cNvPr id="3" name="Content Placeholder 2"/>
+          <p:cNvSpPr>
+            <a:spLocks noGrp="1"/>
+          </p:cNvSpPr>
+          <p:nvPr>
+            <p:ph idx="1"/>
           </p:nvPr>
         </p:nvSpPr>
         <p:spPr/>
@@ -6585,45 +6573,16 @@
           <a:lstStyle/>
           <a:p>
             <a:pPr lvl="0" marL="0" indent="0">
+              <a:spcBef>
+                <a:spcPts val="3000"/>
+              </a:spcBef>
               <a:buNone/>
             </a:pPr>
             <a:r>
-              <a:rPr/>
-              <a:t>Working</a:t>
-            </a:r>
-            <a:r>
-              <a:rPr/>
-              <a:t> </a:t>
-            </a:r>
-            <a:r>
-              <a:rPr/>
-              <a:t>with</a:t>
-            </a:r>
-            <a:r>
-              <a:rPr/>
-              <a:t> </a:t>
-            </a:r>
-            <a:r>
-              <a:rPr/>
-              <a:t>Variables</a:t>
-            </a:r>
-          </a:p>
-        </p:txBody>
-      </p:sp>
-      <p:sp>
-        <p:nvSpPr>
-          <p:cNvPr id="3" name="Content Placeholder 2"/>
-          <p:cNvSpPr>
-            <a:spLocks noGrp="1"/>
-          </p:cNvSpPr>
-          <p:nvPr>
-            <p:ph idx="1"/>
-          </p:nvPr>
-        </p:nvSpPr>
-        <p:spPr/>
-        <p:txBody>
-          <a:bodyPr/>
-          <a:lstStyle/>
+              <a:rPr b="1"/>
+              <a:t>Working with Variables</a:t>
+            </a:r>
+          </a:p>
           <a:p>
             <a:pPr lvl="0" marL="0" indent="0">
               <a:buNone/>
@@ -6794,7 +6753,7 @@
               <a:rPr>
                 <a:latin typeface="Courier"/>
               </a:rPr>
-              <a:t>print(x) </a:t>
+              <a:t>print(x)</a:t>
             </a:r>
           </a:p>
           <a:p>
